--- a/2026-Q1/Devotions/2025-12-28-WayTruthLife.pptx
+++ b/2026-Q1/Devotions/2025-12-28-WayTruthLife.pptx
@@ -281,7 +281,7 @@
               <a:pPr>
                 <a:defRPr/>
               </a:pPr>
-              <a:t>12/27/2025</a:t>
+              <a:t>12/28/2025</a:t>
             </a:fld>
             <a:endParaRPr lang="en-US"/>
           </a:p>
@@ -660,7 +660,7 @@
         <p:spPr/>
         <p:txBody>
           <a:bodyPr>
-            <a:normAutofit fontScale="70000" lnSpcReduction="20000"/>
+            <a:normAutofit/>
           </a:bodyPr>
           <a:lstStyle/>
           <a:p>
@@ -814,98 +814,11 @@
             </a:pPr>
             <a:r>
               <a:rPr lang="en-US" sz="1600" dirty="0"/>
-              <a:t>He is not giving a slogan.</a:t>
+              <a:t>He is not giving a slogan.  He is fulfilling covenant prophecy.</a:t>
             </a:r>
           </a:p>
           <a:p>
             <a:endParaRPr lang="en-US" sz="1600" dirty="0"/>
-          </a:p>
-          <a:p>
-            <a:pPr marL="175925" indent="-175925">
-              <a:buFont typeface="Arial" panose="020B0604020202020204" pitchFamily="34" charset="0"/>
-              <a:buChar char="•"/>
-            </a:pPr>
-            <a:r>
-              <a:rPr lang="en-US" sz="1600" dirty="0"/>
-              <a:t>He is giving comfort and clarity.</a:t>
-            </a:r>
-          </a:p>
-          <a:p>
-            <a:pPr marL="645058" lvl="1" indent="-175925">
-              <a:buFont typeface="Arial" panose="020B0604020202020204" pitchFamily="34" charset="0"/>
-              <a:buChar char="•"/>
-            </a:pPr>
-            <a:r>
-              <a:rPr lang="en-US" sz="1600" b="1" dirty="0">
-                <a:cs typeface="ＭＳ Ｐゴシック" pitchFamily="-106" charset="-128"/>
-              </a:rPr>
-              <a:t>“Do not let your hearts be distressed. You believe in God; believe also in me.” (John 14:1)</a:t>
-            </a:r>
-          </a:p>
-          <a:p>
-            <a:pPr marL="175925" indent="-175925">
-              <a:buFont typeface="Arial" panose="020B0604020202020204" pitchFamily="34" charset="0"/>
-              <a:buChar char="•"/>
-            </a:pPr>
-            <a:r>
-              <a:rPr lang="en-US" sz="1600" dirty="0"/>
-              <a:t>Thomas asks a real question.</a:t>
-            </a:r>
-          </a:p>
-          <a:p>
-            <a:pPr marL="645058" lvl="1" indent="-175925">
-              <a:buFont typeface="Arial" panose="020B0604020202020204" pitchFamily="34" charset="0"/>
-              <a:buChar char="•"/>
-            </a:pPr>
-            <a:r>
-              <a:rPr lang="en-US" sz="1600" b="1" dirty="0">
-                <a:cs typeface="ＭＳ Ｐゴシック" pitchFamily="-106" charset="-128"/>
-              </a:rPr>
-              <a:t>“Lord, we don’t know where you are going. How can we know the way?” (John 14:5)</a:t>
-            </a:r>
-          </a:p>
-          <a:p>
-            <a:pPr marL="175925" indent="-175925">
-              <a:buFont typeface="Arial" panose="020B0604020202020204" pitchFamily="34" charset="0"/>
-              <a:buChar char="•"/>
-            </a:pPr>
-            <a:r>
-              <a:rPr lang="en-US" sz="1600" dirty="0"/>
-              <a:t>Jesus answers with a claim no prophet ever made.</a:t>
-            </a:r>
-          </a:p>
-          <a:p>
-            <a:pPr marL="645058" lvl="1" indent="-175925">
-              <a:buFont typeface="Arial" panose="020B0604020202020204" pitchFamily="34" charset="0"/>
-              <a:buChar char="•"/>
-            </a:pPr>
-            <a:r>
-              <a:rPr lang="en-US" sz="1600" b="1" dirty="0">
-                <a:cs typeface="ＭＳ Ｐゴシック" pitchFamily="-106" charset="-128"/>
-              </a:rPr>
-              <a:t>“I am the way, and the truth, and the life. No one comes to the Father except through me.” (John 14:6)</a:t>
-            </a:r>
-          </a:p>
-          <a:p>
-            <a:endParaRPr lang="en-US" sz="1600" dirty="0"/>
-          </a:p>
-          <a:p>
-            <a:r>
-              <a:rPr lang="en-US" sz="1600" dirty="0"/>
-              <a:t>This is covenant language.</a:t>
-            </a:r>
-          </a:p>
-          <a:p>
-            <a:r>
-              <a:rPr lang="en-US" sz="1600" dirty="0"/>
-              <a:t>This is relational language.</a:t>
-            </a:r>
-          </a:p>
-          <a:p>
-            <a:r>
-              <a:rPr lang="en-US" sz="1600" dirty="0"/>
-              <a:t>This is fulfillment language.</a:t>
-            </a:r>
           </a:p>
           <a:p>
             <a:endParaRPr lang="en-US" dirty="0"/>
@@ -1027,7 +940,7 @@
         <p:spPr/>
         <p:txBody>
           <a:bodyPr>
-            <a:normAutofit fontScale="85000" lnSpcReduction="20000"/>
+            <a:normAutofit fontScale="92500" lnSpcReduction="20000"/>
           </a:bodyPr>
           <a:lstStyle/>
           <a:p>
@@ -1038,10 +951,7 @@
             <a:endParaRPr lang="en-US" sz="1600" dirty="0"/>
           </a:p>
           <a:p>
-            <a:r>
-              <a:rPr lang="en-US" sz="1600" dirty="0"/>
-              <a:t>Jesus is not speaking in a vacuum.</a:t>
-            </a:r>
+            <a:endParaRPr lang="en-US" sz="1600" dirty="0"/>
           </a:p>
           <a:p>
             <a:r>
@@ -1050,9 +960,12 @@
             </a:r>
           </a:p>
           <a:p>
+            <a:endParaRPr lang="en-US" sz="1600" dirty="0"/>
+          </a:p>
+          <a:p>
             <a:r>
               <a:rPr lang="en-US" sz="1600" dirty="0"/>
-              <a:t>“Indeed, a time is coming… when I will make a new covenant with the people of Israel and Judah.” (Jeremiah 31:31)</a:t>
+              <a:t>Hebrews 8</a:t>
             </a:r>
           </a:p>
           <a:p>
@@ -1061,74 +974,8 @@
           <a:p>
             <a:r>
               <a:rPr lang="en-US" sz="1600" dirty="0"/>
-              <a:t>This covenant is different.</a:t>
-            </a:r>
-          </a:p>
-          <a:p>
-            <a:r>
-              <a:rPr lang="en-US" sz="1600" dirty="0"/>
-              <a:t>“I will put my law within them and write it on their hearts.” (31:33)</a:t>
-            </a:r>
-          </a:p>
-          <a:p>
-            <a:r>
-              <a:rPr lang="en-US" sz="1600" dirty="0"/>
-              <a:t>And the goal is clear.</a:t>
-            </a:r>
-          </a:p>
-          <a:p>
-            <a:r>
-              <a:rPr lang="en-US" sz="1600" dirty="0"/>
-              <a:t>“They will all know me, from the least to the greatest.” (31:34)</a:t>
-            </a:r>
-          </a:p>
-          <a:p>
-            <a:endParaRPr lang="en-US" sz="1600" b="1" dirty="0"/>
-          </a:p>
-          <a:p>
-            <a:r>
-              <a:rPr lang="en-US" sz="1600" b="1" dirty="0"/>
-              <a:t>Knowing God</a:t>
-            </a:r>
-            <a:r>
-              <a:rPr lang="en-US" sz="1600" dirty="0"/>
-              <a:t> is the center of the New Covenant.</a:t>
-            </a:r>
-          </a:p>
-          <a:p>
-            <a:r>
-              <a:rPr lang="en-US" sz="1600" dirty="0"/>
-              <a:t>Not ritual.</a:t>
-            </a:r>
-          </a:p>
-          <a:p>
-            <a:r>
-              <a:rPr lang="en-US" sz="1600" dirty="0"/>
-              <a:t>Not location.</a:t>
-            </a:r>
-          </a:p>
-          <a:p>
-            <a:r>
-              <a:rPr lang="en-US" sz="1600" dirty="0"/>
-              <a:t>Not lineage.</a:t>
-            </a:r>
-          </a:p>
-          <a:p>
-            <a:r>
-              <a:rPr lang="en-US" sz="1600" dirty="0"/>
-              <a:t>Jesus claims to be the </a:t>
-            </a:r>
-            <a:r>
-              <a:rPr lang="en-US" sz="1600" i="1" dirty="0"/>
-              <a:t>means</a:t>
-            </a:r>
-            <a:r>
-              <a:rPr lang="en-US" sz="1600" dirty="0"/>
-              <a:t> of this knowing.</a:t>
-            </a:r>
-          </a:p>
-          <a:p>
-            <a:endParaRPr lang="en-US" dirty="0"/>
+              <a:t>Romans 8</a:t>
+            </a:r>
           </a:p>
         </p:txBody>
       </p:sp>
@@ -1247,25 +1094,24 @@
         <p:spPr/>
         <p:txBody>
           <a:bodyPr>
-            <a:normAutofit fontScale="70000" lnSpcReduction="20000"/>
+            <a:normAutofit fontScale="40000" lnSpcReduction="20000"/>
           </a:bodyPr>
           <a:lstStyle/>
           <a:p>
             <a:r>
-              <a:rPr lang="en-US" sz="1600" b="1" dirty="0"/>
+              <a:rPr lang="en-US" sz="1400" b="1" dirty="0"/>
               <a:t>“I Am the Way”</a:t>
             </a:r>
-            <a:endParaRPr lang="en-US" sz="1600" dirty="0"/>
-          </a:p>
-          <a:p>
-            <a:endParaRPr lang="en-US" sz="1600" b="1" dirty="0"/>
-          </a:p>
-          <a:p>
-            <a:r>
-              <a:rPr lang="en-US" sz="1600" b="1" dirty="0"/>
-              <a:t>The Way to God, Not a Method</a:t>
-            </a:r>
-            <a:endParaRPr lang="en-US" sz="1600" dirty="0"/>
+            <a:endParaRPr lang="en-US" sz="1400" dirty="0"/>
+          </a:p>
+          <a:p>
+            <a:endParaRPr lang="en-US" sz="1400" b="1" dirty="0"/>
+          </a:p>
+          <a:p>
+            <a:r>
+              <a:rPr lang="en-US" sz="1400" dirty="0"/>
+              <a:t>In Scripture, “the way” means access.</a:t>
+            </a:r>
           </a:p>
           <a:p>
             <a:pPr marL="293208" indent="-293208">
@@ -1273,9 +1119,16 @@
               <a:buChar char="•"/>
             </a:pPr>
             <a:r>
-              <a:rPr lang="en-US" sz="1600" dirty="0"/>
-              <a:t>Jesus does not say, “I show the way.”</a:t>
-            </a:r>
+              <a:rPr lang="en-US" sz="1400" b="1" dirty="0"/>
+              <a:t>“Teach me your way, O LORD.” (Psalm 27:11)</a:t>
+            </a:r>
+            <a:endParaRPr lang="en-US" sz="1400" b="1" i="0" u="none" strike="noStrike" kern="1200" baseline="0" dirty="0">
+              <a:solidFill>
+                <a:schemeClr val="tx1"/>
+              </a:solidFill>
+              <a:latin typeface="+mn-lt"/>
+              <a:ea typeface="ＭＳ Ｐゴシック" pitchFamily="-106" charset="-128"/>
+            </a:endParaRPr>
           </a:p>
           <a:p>
             <a:pPr marL="293208" indent="-293208">
@@ -1283,21 +1136,240 @@
               <a:buChar char="•"/>
             </a:pPr>
             <a:r>
-              <a:rPr lang="en-US" sz="1600" dirty="0"/>
-              <a:t>He says, </a:t>
-            </a:r>
-            <a:r>
-              <a:rPr lang="en-US" sz="1600" b="1" dirty="0"/>
-              <a:t>“I am the way.”</a:t>
-            </a:r>
-          </a:p>
-          <a:p>
-            <a:endParaRPr lang="en-US" sz="1600" dirty="0"/>
-          </a:p>
-          <a:p>
-            <a:r>
-              <a:rPr lang="en-US" sz="1600" dirty="0"/>
-              <a:t>In Scripture, “the way” means access.</a:t>
+              <a:rPr lang="en-US" sz="1400" b="1" i="0" u="none" strike="noStrike" kern="1200" baseline="0" dirty="0">
+                <a:solidFill>
+                  <a:schemeClr val="tx1"/>
+                </a:solidFill>
+                <a:latin typeface="+mn-lt"/>
+                <a:ea typeface="ＭＳ Ｐゴシック" pitchFamily="-106" charset="-128"/>
+                <a:cs typeface="ＭＳ Ｐゴシック" pitchFamily="-106" charset="-128"/>
+              </a:rPr>
+              <a:t>A highway shall be there, and a road, And it shall be called the Highway of Holiness. The unclean shall not pass over it, But it </a:t>
+            </a:r>
+            <a:r>
+              <a:rPr lang="en-US" sz="1400" b="1" i="1" u="none" strike="noStrike" kern="1200" baseline="0" dirty="0">
+                <a:solidFill>
+                  <a:schemeClr val="tx1"/>
+                </a:solidFill>
+                <a:latin typeface="+mn-lt"/>
+                <a:ea typeface="ＭＳ Ｐゴシック" pitchFamily="-106" charset="-128"/>
+                <a:cs typeface="ＭＳ Ｐゴシック" pitchFamily="-106" charset="-128"/>
+              </a:rPr>
+              <a:t>shall be</a:t>
+            </a:r>
+            <a:r>
+              <a:rPr lang="en-US" sz="1400" b="1" i="0" u="none" strike="noStrike" kern="1200" baseline="0" dirty="0">
+                <a:solidFill>
+                  <a:schemeClr val="tx1"/>
+                </a:solidFill>
+                <a:latin typeface="+mn-lt"/>
+                <a:ea typeface="ＭＳ Ｐゴシック" pitchFamily="-106" charset="-128"/>
+                <a:cs typeface="ＭＳ Ｐゴシック" pitchFamily="-106" charset="-128"/>
+              </a:rPr>
+              <a:t> for others. Whoever walks the road, although a fool, Shall not go astray.</a:t>
+            </a:r>
+          </a:p>
+          <a:p>
+            <a:pPr rtl="0"/>
+            <a:r>
+              <a:rPr lang="en-US" sz="1400" b="1" i="0" u="none" strike="noStrike" kern="1200" baseline="0" dirty="0">
+                <a:solidFill>
+                  <a:schemeClr val="tx1"/>
+                </a:solidFill>
+                <a:latin typeface="+mn-lt"/>
+                <a:ea typeface="ＭＳ Ｐゴシック" pitchFamily="-106" charset="-128"/>
+                <a:cs typeface="ＭＳ Ｐゴシック" pitchFamily="-106" charset="-128"/>
+              </a:rPr>
+              <a:t>(Isa 35:8)</a:t>
+            </a:r>
+          </a:p>
+          <a:p>
+            <a:pPr marL="171450" indent="-171450" rtl="0">
+              <a:buFont typeface="Arial" panose="020B0604020202020204" pitchFamily="34" charset="0"/>
+              <a:buChar char="•"/>
+            </a:pPr>
+            <a:r>
+              <a:rPr lang="en-US" sz="1400" b="1" i="0" u="none" strike="noStrike" kern="1200" baseline="0" dirty="0">
+                <a:solidFill>
+                  <a:schemeClr val="tx1"/>
+                </a:solidFill>
+                <a:latin typeface="+mn-lt"/>
+                <a:ea typeface="ＭＳ Ｐゴシック" pitchFamily="-106" charset="-128"/>
+                <a:cs typeface="ＭＳ Ｐゴシック" pitchFamily="-106" charset="-128"/>
+              </a:rPr>
+              <a:t>Show me Your ways, O LORD; Teach me Your paths.  (5)  Lead me in Your truth and teach me, For You </a:t>
+            </a:r>
+            <a:r>
+              <a:rPr lang="en-US" sz="1400" b="1" i="1" u="none" strike="noStrike" kern="1200" baseline="0" dirty="0">
+                <a:solidFill>
+                  <a:schemeClr val="tx1"/>
+                </a:solidFill>
+                <a:latin typeface="+mn-lt"/>
+                <a:ea typeface="ＭＳ Ｐゴシック" pitchFamily="-106" charset="-128"/>
+                <a:cs typeface="ＭＳ Ｐゴシック" pitchFamily="-106" charset="-128"/>
+              </a:rPr>
+              <a:t>are</a:t>
+            </a:r>
+            <a:r>
+              <a:rPr lang="en-US" sz="1400" b="1" i="0" u="none" strike="noStrike" kern="1200" baseline="0" dirty="0">
+                <a:solidFill>
+                  <a:schemeClr val="tx1"/>
+                </a:solidFill>
+                <a:latin typeface="+mn-lt"/>
+                <a:ea typeface="ＭＳ Ｐゴシック" pitchFamily="-106" charset="-128"/>
+                <a:cs typeface="ＭＳ Ｐゴシック" pitchFamily="-106" charset="-128"/>
+              </a:rPr>
+              <a:t> the God of my salvation; On You I wait all the day. (</a:t>
+            </a:r>
+            <a:r>
+              <a:rPr lang="en-US" sz="1400" b="1" i="0" u="none" strike="noStrike" kern="1200" baseline="0" dirty="0" err="1">
+                <a:solidFill>
+                  <a:schemeClr val="tx1"/>
+                </a:solidFill>
+                <a:latin typeface="+mn-lt"/>
+                <a:ea typeface="ＭＳ Ｐゴシック" pitchFamily="-106" charset="-128"/>
+                <a:cs typeface="ＭＳ Ｐゴシック" pitchFamily="-106" charset="-128"/>
+              </a:rPr>
+              <a:t>Psa</a:t>
+            </a:r>
+            <a:r>
+              <a:rPr lang="en-US" sz="1400" b="1" i="0" u="none" strike="noStrike" kern="1200" baseline="0" dirty="0">
+                <a:solidFill>
+                  <a:schemeClr val="tx1"/>
+                </a:solidFill>
+                <a:latin typeface="+mn-lt"/>
+                <a:ea typeface="ＭＳ Ｐゴシック" pitchFamily="-106" charset="-128"/>
+                <a:cs typeface="ＭＳ Ｐゴシック" pitchFamily="-106" charset="-128"/>
+              </a:rPr>
+              <a:t> 25:4-5)</a:t>
+            </a:r>
+          </a:p>
+          <a:p>
+            <a:pPr marL="171450" indent="-171450" rtl="0">
+              <a:buFont typeface="Arial" panose="020B0604020202020204" pitchFamily="34" charset="0"/>
+              <a:buChar char="•"/>
+            </a:pPr>
+            <a:r>
+              <a:rPr lang="en-US" sz="1400" b="1" i="0" u="none" strike="noStrike" kern="1200" baseline="0" dirty="0">
+                <a:solidFill>
+                  <a:schemeClr val="tx1"/>
+                </a:solidFill>
+                <a:latin typeface="+mn-lt"/>
+                <a:ea typeface="ＭＳ Ｐゴシック" pitchFamily="-106" charset="-128"/>
+                <a:cs typeface="ＭＳ Ｐゴシック" pitchFamily="-106" charset="-128"/>
+              </a:rPr>
+              <a:t>Other Metaphors:</a:t>
+            </a:r>
+          </a:p>
+          <a:p>
+            <a:pPr marL="628650" lvl="1" indent="-171450" rtl="0">
+              <a:buFont typeface="Arial" panose="020B0604020202020204" pitchFamily="34" charset="0"/>
+              <a:buChar char="•"/>
+            </a:pPr>
+            <a:r>
+              <a:rPr lang="en-US" sz="1400" b="1" i="0" u="none" strike="noStrike" kern="1200" baseline="0" dirty="0">
+                <a:solidFill>
+                  <a:schemeClr val="tx1"/>
+                </a:solidFill>
+                <a:latin typeface="+mn-lt"/>
+                <a:ea typeface="ＭＳ Ｐゴシック" pitchFamily="-106" charset="-128"/>
+                <a:cs typeface="ＭＳ Ｐゴシック" pitchFamily="-106" charset="-128"/>
+              </a:rPr>
+              <a:t>The Door, The Gate, The Light</a:t>
+            </a:r>
+            <a:endParaRPr lang="en-US" sz="1400" b="1" dirty="0"/>
+          </a:p>
+          <a:p>
+            <a:endParaRPr lang="en-US" sz="1400" dirty="0"/>
+          </a:p>
+          <a:p>
+            <a:r>
+              <a:rPr lang="en-US" sz="1400" b="1" dirty="0"/>
+              <a:t>The Way of Relationship</a:t>
+            </a:r>
+            <a:endParaRPr lang="en-US" sz="1400" dirty="0"/>
+          </a:p>
+          <a:p>
+            <a:pPr marL="175925" indent="-175925">
+              <a:buFont typeface="Arial" panose="020B0604020202020204" pitchFamily="34" charset="0"/>
+              <a:buChar char="•"/>
+            </a:pPr>
+            <a:r>
+              <a:rPr lang="en-US" sz="1400" dirty="0"/>
+              <a:t>Early Christians called the faith </a:t>
+            </a:r>
+            <a:r>
+              <a:rPr lang="en-US" sz="1400" i="1" dirty="0"/>
+              <a:t>“the Way.”</a:t>
+            </a:r>
+            <a:endParaRPr lang="en-US" sz="1400" dirty="0"/>
+          </a:p>
+          <a:p>
+            <a:pPr marL="645058" lvl="1" indent="-175925">
+              <a:buFont typeface="Arial" panose="020B0604020202020204" pitchFamily="34" charset="0"/>
+              <a:buChar char="•"/>
+            </a:pPr>
+            <a:r>
+              <a:rPr lang="en-US" sz="1400" b="1" dirty="0">
+                <a:cs typeface="ＭＳ Ｐゴシック" pitchFamily="-106" charset="-128"/>
+              </a:rPr>
+              <a:t>“I persecuted this Way to the death.” (Acts 22:4)</a:t>
+            </a:r>
+          </a:p>
+          <a:p>
+            <a:pPr marL="175925" indent="-175925">
+              <a:buFont typeface="Arial" panose="020B0604020202020204" pitchFamily="34" charset="0"/>
+              <a:buChar char="•"/>
+            </a:pPr>
+            <a:r>
+              <a:rPr lang="en-US" sz="1400" dirty="0"/>
+              <a:t>Why?</a:t>
+            </a:r>
+          </a:p>
+          <a:p>
+            <a:pPr marL="175925" indent="-175925">
+              <a:buFont typeface="Arial" panose="020B0604020202020204" pitchFamily="34" charset="0"/>
+              <a:buChar char="•"/>
+            </a:pPr>
+            <a:r>
+              <a:rPr lang="en-US" sz="1400" dirty="0"/>
+              <a:t>Because following Jesus meant walking with Him.</a:t>
+            </a:r>
+          </a:p>
+          <a:p>
+            <a:pPr marL="645058" lvl="1" indent="-175925">
+              <a:buFont typeface="Arial" panose="020B0604020202020204" pitchFamily="34" charset="0"/>
+              <a:buChar char="•"/>
+            </a:pPr>
+            <a:r>
+              <a:rPr lang="en-US" sz="1400" b="1" dirty="0">
+                <a:cs typeface="ＭＳ Ｐゴシック" pitchFamily="-106" charset="-128"/>
+              </a:rPr>
+              <a:t>“The one who says he resides in God ought himself to walk just as Jesus walked.” (1 John 2:6)</a:t>
+            </a:r>
+          </a:p>
+          <a:p>
+            <a:pPr marL="645058" lvl="1" indent="-175925">
+              <a:buFont typeface="Arial" panose="020B0604020202020204" pitchFamily="34" charset="0"/>
+              <a:buChar char="•"/>
+            </a:pPr>
+            <a:r>
+              <a:rPr lang="en-US" sz="1400" dirty="0">
+                <a:cs typeface="ＭＳ Ｐゴシック" pitchFamily="-106" charset="-128"/>
+              </a:rPr>
+              <a:t>This is covenant walking.</a:t>
+            </a:r>
+          </a:p>
+          <a:p>
+            <a:pPr marL="645058" lvl="1" indent="-175925">
+              <a:buFont typeface="Arial" panose="020B0604020202020204" pitchFamily="34" charset="0"/>
+              <a:buChar char="•"/>
+            </a:pPr>
+            <a:r>
+              <a:rPr lang="en-US" sz="1400" dirty="0">
+                <a:cs typeface="ＭＳ Ｐゴシック" pitchFamily="-106" charset="-128"/>
+              </a:rPr>
+              <a:t>Life shared with God.</a:t>
             </a:r>
           </a:p>
           <a:p>
@@ -1305,215 +1377,7 @@
               <a:buFont typeface="Arial" panose="020B0604020202020204" pitchFamily="34" charset="0"/>
               <a:buChar char="•"/>
             </a:pPr>
-            <a:r>
-              <a:rPr lang="en-US" sz="1600" b="1" dirty="0"/>
-              <a:t>“Teach me your way, O LORD.” (Psalm 27:11)</a:t>
-            </a:r>
-          </a:p>
-          <a:p>
-            <a:endParaRPr lang="en-US" sz="1600" dirty="0"/>
-          </a:p>
-          <a:p>
-            <a:r>
-              <a:rPr lang="en-US" sz="1600" dirty="0"/>
-              <a:t>Under the old covenant, access was limited.</a:t>
-            </a:r>
-          </a:p>
-          <a:p>
-            <a:pPr marL="293208" indent="-293208">
-              <a:buFont typeface="Arial" panose="020B0604020202020204" pitchFamily="34" charset="0"/>
-              <a:buChar char="•"/>
-            </a:pPr>
-            <a:r>
-              <a:rPr lang="en-US" sz="1600" dirty="0"/>
-              <a:t>Only priests.</a:t>
-            </a:r>
-          </a:p>
-          <a:p>
-            <a:pPr marL="293208" indent="-293208">
-              <a:buFont typeface="Arial" panose="020B0604020202020204" pitchFamily="34" charset="0"/>
-              <a:buChar char="•"/>
-            </a:pPr>
-            <a:r>
-              <a:rPr lang="en-US" sz="1600" dirty="0"/>
-              <a:t>Only sacrifices.</a:t>
-            </a:r>
-          </a:p>
-          <a:p>
-            <a:pPr marL="293208" indent="-293208">
-              <a:buFont typeface="Arial" panose="020B0604020202020204" pitchFamily="34" charset="0"/>
-              <a:buChar char="•"/>
-            </a:pPr>
-            <a:r>
-              <a:rPr lang="en-US" sz="1600" dirty="0"/>
-              <a:t>Only once a year.</a:t>
-            </a:r>
-          </a:p>
-          <a:p>
-            <a:endParaRPr lang="en-US" sz="1600" dirty="0"/>
-          </a:p>
-          <a:p>
-            <a:r>
-              <a:rPr lang="en-US" sz="1600" dirty="0"/>
-              <a:t>Jesus changes this.</a:t>
-            </a:r>
-          </a:p>
-          <a:p>
-            <a:pPr marL="293208" indent="-293208">
-              <a:buFont typeface="Arial" panose="020B0604020202020204" pitchFamily="34" charset="0"/>
-              <a:buChar char="•"/>
-            </a:pPr>
-            <a:r>
-              <a:rPr lang="en-US" sz="1600" b="1" dirty="0"/>
-              <a:t>“Therefore, brothers and sisters, since we have confidence to enter the sanctuary by the blood of Jesus, by the fresh and living way he opened for us through the curtain.” (Hebrews 10:19–20)</a:t>
-            </a:r>
-          </a:p>
-          <a:p>
-            <a:pPr marL="293208" indent="-293208">
-              <a:buFont typeface="Arial" panose="020B0604020202020204" pitchFamily="34" charset="0"/>
-              <a:buChar char="•"/>
-            </a:pPr>
-            <a:endParaRPr lang="en-US" sz="1600" b="1" dirty="0"/>
-          </a:p>
-          <a:p>
-            <a:r>
-              <a:rPr lang="en-US" sz="1600" dirty="0"/>
-              <a:t>Jesus is the opened way.</a:t>
-            </a:r>
-          </a:p>
-          <a:p>
-            <a:pPr marL="293208" indent="-293208">
-              <a:buFont typeface="Arial" panose="020B0604020202020204" pitchFamily="34" charset="0"/>
-              <a:buChar char="•"/>
-            </a:pPr>
-            <a:r>
-              <a:rPr lang="en-US" sz="1600" dirty="0"/>
-              <a:t>Not steps.</a:t>
-            </a:r>
-          </a:p>
-          <a:p>
-            <a:pPr marL="293208" indent="-293208">
-              <a:buFont typeface="Arial" panose="020B0604020202020204" pitchFamily="34" charset="0"/>
-              <a:buChar char="•"/>
-            </a:pPr>
-            <a:r>
-              <a:rPr lang="en-US" sz="1600" dirty="0"/>
-              <a:t>Not laws.</a:t>
-            </a:r>
-          </a:p>
-          <a:p>
-            <a:pPr marL="293208" indent="-293208">
-              <a:buFont typeface="Arial" panose="020B0604020202020204" pitchFamily="34" charset="0"/>
-              <a:buChar char="•"/>
-            </a:pPr>
-            <a:r>
-              <a:rPr lang="en-US" sz="1600" dirty="0"/>
-              <a:t>A person.</a:t>
-            </a:r>
-          </a:p>
-          <a:p>
-            <a:pPr marL="293208" indent="-293208">
-              <a:buFont typeface="Arial" panose="020B0604020202020204" pitchFamily="34" charset="0"/>
-              <a:buChar char="•"/>
-            </a:pPr>
-            <a:endParaRPr lang="en-US" sz="1600" dirty="0"/>
-          </a:p>
-          <a:p>
-            <a:r>
-              <a:rPr lang="en-US" sz="1600" b="1" dirty="0"/>
-              <a:t>The Way of Relationship</a:t>
-            </a:r>
-            <a:endParaRPr lang="en-US" sz="1600" dirty="0"/>
-          </a:p>
-          <a:p>
-            <a:pPr marL="175925" indent="-175925">
-              <a:buFont typeface="Arial" panose="020B0604020202020204" pitchFamily="34" charset="0"/>
-              <a:buChar char="•"/>
-            </a:pPr>
-            <a:r>
-              <a:rPr lang="en-US" sz="1600" dirty="0"/>
-              <a:t>Early Christians called the faith </a:t>
-            </a:r>
-            <a:r>
-              <a:rPr lang="en-US" sz="1600" i="1" dirty="0"/>
-              <a:t>“the Way.”</a:t>
-            </a:r>
-            <a:endParaRPr lang="en-US" sz="1600" dirty="0"/>
-          </a:p>
-          <a:p>
-            <a:pPr marL="645058" lvl="1" indent="-175925">
-              <a:buFont typeface="Arial" panose="020B0604020202020204" pitchFamily="34" charset="0"/>
-              <a:buChar char="•"/>
-            </a:pPr>
-            <a:r>
-              <a:rPr lang="en-US" sz="1600" b="1" dirty="0">
-                <a:cs typeface="ＭＳ Ｐゴシック" pitchFamily="-106" charset="-128"/>
-              </a:rPr>
-              <a:t>“I persecuted this Way to the death.” (Acts 22:4)</a:t>
-            </a:r>
-          </a:p>
-          <a:p>
-            <a:pPr marL="175925" indent="-175925">
-              <a:buFont typeface="Arial" panose="020B0604020202020204" pitchFamily="34" charset="0"/>
-              <a:buChar char="•"/>
-            </a:pPr>
-            <a:r>
-              <a:rPr lang="en-US" sz="1600" dirty="0"/>
-              <a:t>Why?</a:t>
-            </a:r>
-          </a:p>
-          <a:p>
-            <a:pPr marL="175925" indent="-175925">
-              <a:buFont typeface="Arial" panose="020B0604020202020204" pitchFamily="34" charset="0"/>
-              <a:buChar char="•"/>
-            </a:pPr>
-            <a:r>
-              <a:rPr lang="en-US" sz="1600" dirty="0"/>
-              <a:t>Because following Jesus meant walking with Him.</a:t>
-            </a:r>
-          </a:p>
-          <a:p>
-            <a:pPr marL="645058" lvl="1" indent="-175925">
-              <a:buFont typeface="Arial" panose="020B0604020202020204" pitchFamily="34" charset="0"/>
-              <a:buChar char="•"/>
-            </a:pPr>
-            <a:r>
-              <a:rPr lang="en-US" sz="1600" b="1" dirty="0">
-                <a:cs typeface="ＭＳ Ｐゴシック" pitchFamily="-106" charset="-128"/>
-              </a:rPr>
-              <a:t>“The one who says he resides in God ought himself to walk just as Jesus walked.” (1 John 2:6)</a:t>
-            </a:r>
-          </a:p>
-          <a:p>
-            <a:pPr marL="645058" lvl="1" indent="-175925">
-              <a:buFont typeface="Arial" panose="020B0604020202020204" pitchFamily="34" charset="0"/>
-              <a:buChar char="•"/>
-            </a:pPr>
-            <a:r>
-              <a:rPr lang="en-US" sz="1600" dirty="0">
-                <a:cs typeface="ＭＳ Ｐゴシック" pitchFamily="-106" charset="-128"/>
-              </a:rPr>
-              <a:t>This is covenant walking.</a:t>
-            </a:r>
-          </a:p>
-          <a:p>
-            <a:pPr marL="645058" lvl="1" indent="-175925">
-              <a:buFont typeface="Arial" panose="020B0604020202020204" pitchFamily="34" charset="0"/>
-              <a:buChar char="•"/>
-            </a:pPr>
-            <a:r>
-              <a:rPr lang="en-US" sz="1600" dirty="0">
-                <a:cs typeface="ＭＳ Ｐゴシック" pitchFamily="-106" charset="-128"/>
-              </a:rPr>
-              <a:t>Life shared with God.</a:t>
-            </a:r>
-          </a:p>
-          <a:p>
-            <a:pPr marL="293208" indent="-293208">
-              <a:buFont typeface="Arial" panose="020B0604020202020204" pitchFamily="34" charset="0"/>
-              <a:buChar char="•"/>
-            </a:pPr>
-            <a:endParaRPr lang="en-US" sz="1600" dirty="0"/>
+            <a:endParaRPr lang="en-US" sz="1400" dirty="0"/>
           </a:p>
           <a:p>
             <a:endParaRPr lang="en-US" dirty="0"/>
@@ -1635,7 +1499,7 @@
         <p:spPr/>
         <p:txBody>
           <a:bodyPr>
-            <a:normAutofit fontScale="92500" lnSpcReduction="20000"/>
+            <a:normAutofit fontScale="62500" lnSpcReduction="20000"/>
           </a:bodyPr>
           <a:lstStyle/>
           <a:p>
@@ -1653,244 +1517,109 @@
             <a:endParaRPr lang="en-US" sz="1600" b="1" dirty="0"/>
           </a:p>
           <a:p>
-            <a:r>
-              <a:rPr lang="en-US" sz="1600" b="1" dirty="0"/>
-              <a:t>Truth as Revelation, Not Information</a:t>
-            </a:r>
-            <a:endParaRPr lang="en-US" sz="1600" dirty="0"/>
-          </a:p>
-          <a:p>
-            <a:pPr marL="293208" indent="-293208">
+            <a:pPr marL="305141" marR="0" lvl="0" indent="-293208" algn="l" defTabSz="914400" rtl="0" eaLnBrk="0" fontAlgn="base" latinLnBrk="0" hangingPunct="0">
+              <a:lnSpc>
+                <a:spcPct val="100000"/>
+              </a:lnSpc>
+              <a:spcBef>
+                <a:spcPct val="30000"/>
+              </a:spcBef>
+              <a:spcAft>
+                <a:spcPct val="0"/>
+              </a:spcAft>
+              <a:buClrTx/>
+              <a:buSzTx/>
               <a:buFont typeface="Arial" panose="020B0604020202020204" pitchFamily="34" charset="0"/>
               <a:buChar char="•"/>
+              <a:tabLst/>
+              <a:defRPr/>
             </a:pPr>
             <a:r>
-              <a:rPr lang="en-US" sz="1600" dirty="0"/>
-              <a:t>In Scripture, truth is not just facts.</a:t>
-            </a:r>
-          </a:p>
-          <a:p>
-            <a:pPr marL="762341" lvl="1" indent="-293208">
+              <a:rPr lang="en-US" sz="1600" b="1" i="0" u="none" strike="noStrike" kern="1200" baseline="0" dirty="0">
+                <a:solidFill>
+                  <a:schemeClr val="tx1"/>
+                </a:solidFill>
+                <a:latin typeface="+mn-lt"/>
+                <a:ea typeface="ＭＳ Ｐゴシック" pitchFamily="-106" charset="-128"/>
+                <a:cs typeface="ＭＳ Ｐゴシック" pitchFamily="-106" charset="-128"/>
+              </a:rPr>
+              <a:t>John 18:37  Pilate therefore said to Him, "Are You a king then?" Jesus answered, "You say </a:t>
+            </a:r>
+            <a:r>
+              <a:rPr lang="en-US" sz="1600" b="1" i="1" u="none" strike="noStrike" kern="1200" baseline="0" dirty="0">
+                <a:solidFill>
+                  <a:schemeClr val="tx1"/>
+                </a:solidFill>
+                <a:latin typeface="+mn-lt"/>
+                <a:ea typeface="ＭＳ Ｐゴシック" pitchFamily="-106" charset="-128"/>
+                <a:cs typeface="ＭＳ Ｐゴシック" pitchFamily="-106" charset="-128"/>
+              </a:rPr>
+              <a:t>rightly</a:t>
+            </a:r>
+            <a:r>
+              <a:rPr lang="en-US" sz="1600" b="1" i="0" u="none" strike="noStrike" kern="1200" baseline="0" dirty="0">
+                <a:solidFill>
+                  <a:schemeClr val="tx1"/>
+                </a:solidFill>
+                <a:latin typeface="+mn-lt"/>
+                <a:ea typeface="ＭＳ Ｐゴシック" pitchFamily="-106" charset="-128"/>
+                <a:cs typeface="ＭＳ Ｐゴシック" pitchFamily="-106" charset="-128"/>
+              </a:rPr>
+              <a:t> that I am a king. For this cause I was born, and for this cause I have come into the world</a:t>
+            </a:r>
+            <a:r>
+              <a:rPr lang="en-US" sz="1600" b="1" i="0" u="sng" strike="noStrike" kern="1200" baseline="0" dirty="0">
+                <a:solidFill>
+                  <a:schemeClr val="tx1"/>
+                </a:solidFill>
+                <a:latin typeface="+mn-lt"/>
+                <a:ea typeface="ＭＳ Ｐゴシック" pitchFamily="-106" charset="-128"/>
+                <a:cs typeface="ＭＳ Ｐゴシック" pitchFamily="-106" charset="-128"/>
+              </a:rPr>
+              <a:t>, that I should bear witness to the truth</a:t>
+            </a:r>
+            <a:r>
+              <a:rPr lang="en-US" sz="1600" b="1" i="0" u="none" strike="noStrike" kern="1200" baseline="0" dirty="0">
+                <a:solidFill>
+                  <a:schemeClr val="tx1"/>
+                </a:solidFill>
+                <a:latin typeface="+mn-lt"/>
+                <a:ea typeface="ＭＳ Ｐゴシック" pitchFamily="-106" charset="-128"/>
+                <a:cs typeface="ＭＳ Ｐゴシック" pitchFamily="-106" charset="-128"/>
+              </a:rPr>
+              <a:t>. </a:t>
+            </a:r>
+            <a:r>
+              <a:rPr lang="en-US" sz="1600" b="1" i="0" u="sng" strike="noStrike" kern="1200" baseline="0" dirty="0">
+                <a:solidFill>
+                  <a:schemeClr val="tx1"/>
+                </a:solidFill>
+                <a:latin typeface="+mn-lt"/>
+                <a:ea typeface="ＭＳ Ｐゴシック" pitchFamily="-106" charset="-128"/>
+                <a:cs typeface="ＭＳ Ｐゴシック" pitchFamily="-106" charset="-128"/>
+              </a:rPr>
+              <a:t>Everyone who is of the truth hears My voice</a:t>
+            </a:r>
+            <a:r>
+              <a:rPr lang="en-US" sz="1600" b="1" i="0" u="none" strike="noStrike" kern="1200" baseline="0" dirty="0">
+                <a:solidFill>
+                  <a:schemeClr val="tx1"/>
+                </a:solidFill>
+                <a:latin typeface="+mn-lt"/>
+                <a:ea typeface="ＭＳ Ｐゴシック" pitchFamily="-106" charset="-128"/>
+                <a:cs typeface="ＭＳ Ｐゴシック" pitchFamily="-106" charset="-128"/>
+              </a:rPr>
+              <a:t>."</a:t>
+            </a:r>
+          </a:p>
+          <a:p>
+            <a:pPr marL="11933" lvl="0" indent="0">
               <a:buFont typeface="Arial" panose="020B0604020202020204" pitchFamily="34" charset="0"/>
-              <a:buChar char="•"/>
+              <a:buNone/>
             </a:pPr>
-            <a:r>
-              <a:rPr lang="en-US" sz="1600" dirty="0">
-                <a:cs typeface="ＭＳ Ｐゴシック" pitchFamily="-106" charset="-128"/>
-              </a:rPr>
-              <a:t>Truth reveals God’s character.</a:t>
-            </a:r>
-          </a:p>
-          <a:p>
-            <a:pPr marL="762341" lvl="1" indent="-293208">
-              <a:buFont typeface="Arial" panose="020B0604020202020204" pitchFamily="34" charset="0"/>
-              <a:buChar char="•"/>
-            </a:pPr>
-            <a:r>
-              <a:rPr lang="en-US" sz="1600" b="1" dirty="0">
-                <a:cs typeface="ＭＳ Ｐゴシック" pitchFamily="-106" charset="-128"/>
-              </a:rPr>
-              <a:t>“You are my God, my faithful God.” (Psalm 31:14)</a:t>
-            </a:r>
-          </a:p>
-          <a:p>
-            <a:pPr marL="293208" indent="-293208">
-              <a:buFont typeface="Arial" panose="020B0604020202020204" pitchFamily="34" charset="0"/>
-              <a:buChar char="•"/>
-            </a:pPr>
-            <a:r>
-              <a:rPr lang="en-US" sz="1600" dirty="0"/>
-              <a:t>Jesus does not teach truth.</a:t>
-            </a:r>
-          </a:p>
-          <a:p>
-            <a:pPr marL="762341" lvl="1" indent="-293208">
-              <a:buFont typeface="Arial" panose="020B0604020202020204" pitchFamily="34" charset="0"/>
-              <a:buChar char="•"/>
-            </a:pPr>
-            <a:r>
-              <a:rPr lang="en-US" sz="1600" dirty="0">
-                <a:cs typeface="ＭＳ Ｐゴシック" pitchFamily="-106" charset="-128"/>
-              </a:rPr>
-              <a:t>He embodies it.</a:t>
-            </a:r>
-          </a:p>
-          <a:p>
-            <a:pPr marL="762341" lvl="1" indent="-293208">
-              <a:buFont typeface="Arial" panose="020B0604020202020204" pitchFamily="34" charset="0"/>
-              <a:buChar char="•"/>
-            </a:pPr>
-            <a:r>
-              <a:rPr lang="en-US" sz="1600" b="1" dirty="0">
-                <a:cs typeface="ＭＳ Ｐゴシック" pitchFamily="-106" charset="-128"/>
-              </a:rPr>
-              <a:t>“The Word became flesh and took up residence among us… full of grace and truth.” (John 1:14)</a:t>
-            </a:r>
-          </a:p>
-          <a:p>
-            <a:pPr marL="762341" lvl="1" indent="-293208">
-              <a:buFont typeface="Arial" panose="020B0604020202020204" pitchFamily="34" charset="0"/>
-              <a:buChar char="•"/>
-            </a:pPr>
-            <a:r>
-              <a:rPr lang="en-US" sz="1600" dirty="0">
-                <a:cs typeface="ＭＳ Ｐゴシック" pitchFamily="-106" charset="-128"/>
-              </a:rPr>
-              <a:t>Truth has a face.</a:t>
-            </a:r>
-          </a:p>
-          <a:p>
-            <a:pPr marL="762341" lvl="1" indent="-293208">
-              <a:buFont typeface="Arial" panose="020B0604020202020204" pitchFamily="34" charset="0"/>
-              <a:buChar char="•"/>
-            </a:pPr>
-            <a:r>
-              <a:rPr lang="en-US" sz="1600" dirty="0">
-                <a:cs typeface="ＭＳ Ｐゴシック" pitchFamily="-106" charset="-128"/>
-              </a:rPr>
-              <a:t>And a voice.</a:t>
-            </a:r>
-          </a:p>
-          <a:p>
-            <a:pPr marL="469133" lvl="1"/>
             <a:endParaRPr lang="en-US" sz="1600" dirty="0">
               <a:cs typeface="ＭＳ Ｐゴシック" pitchFamily="-106" charset="-128"/>
             </a:endParaRPr>
-          </a:p>
-          <a:p>
-            <a:r>
-              <a:rPr lang="en-US" sz="1600" b="1" dirty="0"/>
-              <a:t>Truth That Sets Free</a:t>
-            </a:r>
-            <a:endParaRPr lang="en-US" sz="1600" dirty="0"/>
-          </a:p>
-          <a:p>
-            <a:pPr marL="293208" indent="-293208">
-              <a:buFont typeface="Arial" panose="020B0604020202020204" pitchFamily="34" charset="0"/>
-              <a:buChar char="•"/>
-            </a:pPr>
-            <a:r>
-              <a:rPr lang="en-US" sz="1600" dirty="0"/>
-              <a:t>Jesus connects truth with freedom.</a:t>
-            </a:r>
-          </a:p>
-          <a:p>
-            <a:pPr marL="762341" lvl="1" indent="-293208">
-              <a:buFont typeface="Arial" panose="020B0604020202020204" pitchFamily="34" charset="0"/>
-              <a:buChar char="•"/>
-            </a:pPr>
-            <a:r>
-              <a:rPr lang="en-US" sz="1600" b="1" dirty="0">
-                <a:cs typeface="ＭＳ Ｐゴシック" pitchFamily="-106" charset="-128"/>
-              </a:rPr>
-              <a:t>“You will know the truth, and the truth will set you free.” (John 8:32)</a:t>
-            </a:r>
-          </a:p>
-          <a:p>
-            <a:pPr marL="762341" lvl="1" indent="-293208">
-              <a:buFont typeface="Arial" panose="020B0604020202020204" pitchFamily="34" charset="0"/>
-              <a:buChar char="•"/>
-            </a:pPr>
-            <a:r>
-              <a:rPr lang="en-US" sz="1600" dirty="0">
-                <a:cs typeface="ＭＳ Ｐゴシック" pitchFamily="-106" charset="-128"/>
-              </a:rPr>
-              <a:t>This is covenant freedom.</a:t>
-            </a:r>
-          </a:p>
-          <a:p>
-            <a:pPr marL="762341" lvl="1" indent="-293208">
-              <a:buFont typeface="Arial" panose="020B0604020202020204" pitchFamily="34" charset="0"/>
-              <a:buChar char="•"/>
-            </a:pPr>
-            <a:r>
-              <a:rPr lang="en-US" sz="1600" dirty="0">
-                <a:cs typeface="ＭＳ Ｐゴシック" pitchFamily="-106" charset="-128"/>
-              </a:rPr>
-              <a:t>Freedom from sin.</a:t>
-            </a:r>
-          </a:p>
-          <a:p>
-            <a:pPr marL="762341" lvl="1" indent="-293208">
-              <a:buFont typeface="Arial" panose="020B0604020202020204" pitchFamily="34" charset="0"/>
-              <a:buChar char="•"/>
-            </a:pPr>
-            <a:r>
-              <a:rPr lang="en-US" sz="1600" dirty="0">
-                <a:cs typeface="ＭＳ Ｐゴシック" pitchFamily="-106" charset="-128"/>
-              </a:rPr>
-              <a:t>Freedom from false images of God.</a:t>
-            </a:r>
-          </a:p>
-          <a:p>
-            <a:pPr marL="762341" lvl="1" indent="-293208">
-              <a:buFont typeface="Arial" panose="020B0604020202020204" pitchFamily="34" charset="0"/>
-              <a:buChar char="•"/>
-            </a:pPr>
-            <a:r>
-              <a:rPr lang="en-US" sz="1600" b="1" dirty="0">
-                <a:cs typeface="ＭＳ Ｐゴシック" pitchFamily="-106" charset="-128"/>
-              </a:rPr>
-              <a:t>“For the law was given through Moses, but grace and truth came about through Jesus Christ.” (John 1:17)</a:t>
-            </a:r>
-          </a:p>
-          <a:p>
-            <a:pPr marL="293208" indent="-293208">
-              <a:buFont typeface="Arial" panose="020B0604020202020204" pitchFamily="34" charset="0"/>
-              <a:buChar char="•"/>
-            </a:pPr>
-            <a:r>
-              <a:rPr lang="en-US" sz="1600" dirty="0"/>
-              <a:t>Early Christian teaching was clear.</a:t>
-            </a:r>
-          </a:p>
-          <a:p>
-            <a:pPr marL="762341" lvl="1" indent="-293208">
-              <a:buFont typeface="Arial" panose="020B0604020202020204" pitchFamily="34" charset="0"/>
-              <a:buChar char="•"/>
-            </a:pPr>
-            <a:r>
-              <a:rPr lang="en-US" sz="1600" dirty="0">
-                <a:cs typeface="ＭＳ Ｐゴシック" pitchFamily="-106" charset="-128"/>
-              </a:rPr>
-              <a:t>Truth is not an idea system.</a:t>
-            </a:r>
-          </a:p>
-          <a:p>
-            <a:pPr marL="762341" lvl="1" indent="-293208">
-              <a:buFont typeface="Arial" panose="020B0604020202020204" pitchFamily="34" charset="0"/>
-              <a:buChar char="•"/>
-            </a:pPr>
-            <a:r>
-              <a:rPr lang="en-US" sz="1600" dirty="0">
-                <a:cs typeface="ＭＳ Ｐゴシック" pitchFamily="-106" charset="-128"/>
-              </a:rPr>
-              <a:t>Truth is loyalty to Jesus as Lord.</a:t>
-            </a:r>
-          </a:p>
-          <a:p>
-            <a:pPr marL="762341" lvl="1" indent="-293208">
-              <a:buFont typeface="Arial" panose="020B0604020202020204" pitchFamily="34" charset="0"/>
-              <a:buChar char="•"/>
-            </a:pPr>
-            <a:r>
-              <a:rPr lang="en-US" sz="1600" b="1" dirty="0">
-                <a:cs typeface="ＭＳ Ｐゴシック" pitchFamily="-106" charset="-128"/>
-              </a:rPr>
-              <a:t>“Jesus is Lord.” (Romans 10:9)</a:t>
-            </a:r>
-          </a:p>
-          <a:p>
-            <a:pPr marL="762341" lvl="1" indent="-293208">
-              <a:buFont typeface="Arial" panose="020B0604020202020204" pitchFamily="34" charset="0"/>
-              <a:buChar char="•"/>
-            </a:pPr>
-            <a:r>
-              <a:rPr lang="en-US" sz="1600" dirty="0">
-                <a:cs typeface="ＭＳ Ｐゴシック" pitchFamily="-106" charset="-128"/>
-              </a:rPr>
-              <a:t>That confession defines truth.</a:t>
-            </a:r>
           </a:p>
           <a:p>
             <a:endParaRPr lang="en-US" dirty="0"/>
@@ -2012,7 +1741,7 @@
         <p:spPr/>
         <p:txBody>
           <a:bodyPr>
-            <a:normAutofit/>
+            <a:normAutofit fontScale="77500" lnSpcReduction="20000"/>
           </a:bodyPr>
           <a:lstStyle/>
           <a:p>
@@ -2023,194 +1752,165 @@
             <a:endParaRPr lang="en-US" sz="1600" dirty="0"/>
           </a:p>
           <a:p>
+            <a:pPr marL="0" indent="0">
+              <a:buFont typeface="Arial" panose="020B0604020202020204" pitchFamily="34" charset="0"/>
+              <a:buNone/>
+            </a:pPr>
             <a:endParaRPr lang="en-US" sz="1600" b="1" dirty="0"/>
           </a:p>
           <a:p>
-            <a:r>
-              <a:rPr lang="en-US" sz="1600" b="1" dirty="0"/>
-              <a:t>Life as God’s Own Life</a:t>
-            </a:r>
-            <a:endParaRPr lang="en-US" sz="1600" dirty="0"/>
-          </a:p>
-          <a:p>
-            <a:pPr marL="175925" indent="-175925">
+            <a:pPr marL="0" marR="0" lvl="0" indent="0" algn="l" defTabSz="914400" rtl="0" eaLnBrk="0" fontAlgn="base" latinLnBrk="0" hangingPunct="0">
+              <a:lnSpc>
+                <a:spcPct val="100000"/>
+              </a:lnSpc>
+              <a:spcBef>
+                <a:spcPct val="30000"/>
+              </a:spcBef>
+              <a:spcAft>
+                <a:spcPct val="0"/>
+              </a:spcAft>
+              <a:buClrTx/>
+              <a:buSzTx/>
               <a:buFont typeface="Arial" panose="020B0604020202020204" pitchFamily="34" charset="0"/>
-              <a:buChar char="•"/>
+              <a:buNone/>
+              <a:tabLst/>
+              <a:defRPr/>
             </a:pPr>
             <a:r>
-              <a:rPr lang="en-US" sz="1600" dirty="0"/>
-              <a:t>In Scripture, life comes from God alone.</a:t>
-            </a:r>
-          </a:p>
-          <a:p>
-            <a:pPr marL="645058" lvl="1" indent="-175925">
+              <a:rPr lang="en-US" sz="1600" b="1" i="0" u="none" strike="noStrike" kern="1200" baseline="0" dirty="0">
+                <a:solidFill>
+                  <a:schemeClr val="tx1"/>
+                </a:solidFill>
+                <a:latin typeface="+mn-lt"/>
+                <a:ea typeface="ＭＳ Ｐゴシック" pitchFamily="-106" charset="-128"/>
+                <a:cs typeface="ＭＳ Ｐゴシック" pitchFamily="-106" charset="-128"/>
+              </a:rPr>
+              <a:t>Hab 2:4  </a:t>
+            </a:r>
+            <a:r>
+              <a:rPr lang="en-US" sz="1600" b="0" i="0" u="none" strike="noStrike" kern="1200" baseline="0" dirty="0">
+                <a:solidFill>
+                  <a:schemeClr val="tx1"/>
+                </a:solidFill>
+                <a:latin typeface="+mn-lt"/>
+                <a:ea typeface="ＭＳ Ｐゴシック" pitchFamily="-106" charset="-128"/>
+                <a:cs typeface="ＭＳ Ｐゴシック" pitchFamily="-106" charset="-128"/>
+              </a:rPr>
+              <a:t>"Behold the proud, His soul is not upright in him; </a:t>
+            </a:r>
+            <a:r>
+              <a:rPr lang="en-US" sz="1600" b="1" i="0" u="none" strike="noStrike" kern="1200" baseline="0" dirty="0">
+                <a:solidFill>
+                  <a:schemeClr val="tx1"/>
+                </a:solidFill>
+                <a:latin typeface="+mn-lt"/>
+                <a:ea typeface="ＭＳ Ｐゴシック" pitchFamily="-106" charset="-128"/>
+                <a:cs typeface="ＭＳ Ｐゴシック" pitchFamily="-106" charset="-128"/>
+              </a:rPr>
+              <a:t>But the just shall live by his faith.</a:t>
+            </a:r>
+          </a:p>
+          <a:p>
+            <a:pPr marL="0" marR="0" lvl="0" indent="0" algn="l" defTabSz="914400" rtl="0" eaLnBrk="0" fontAlgn="base" latinLnBrk="0" hangingPunct="0">
+              <a:lnSpc>
+                <a:spcPct val="100000"/>
+              </a:lnSpc>
+              <a:spcBef>
+                <a:spcPct val="30000"/>
+              </a:spcBef>
+              <a:spcAft>
+                <a:spcPct val="0"/>
+              </a:spcAft>
+              <a:buClrTx/>
+              <a:buSzTx/>
               <a:buFont typeface="Arial" panose="020B0604020202020204" pitchFamily="34" charset="0"/>
-              <a:buChar char="•"/>
+              <a:buNone/>
+              <a:tabLst/>
+              <a:defRPr/>
             </a:pPr>
-            <a:r>
-              <a:rPr lang="en-US" sz="1600" b="1" dirty="0">
-                <a:cs typeface="ＭＳ Ｐゴシック" pitchFamily="-106" charset="-128"/>
-              </a:rPr>
-              <a:t>“For with you is the fountain of life.” (Psalm 36:9)</a:t>
-            </a:r>
-          </a:p>
-          <a:p>
-            <a:pPr marL="175925" indent="-175925">
+            <a:endParaRPr lang="en-US" sz="1600" b="1" i="0" u="none" strike="noStrike" kern="1200" baseline="0" dirty="0">
+              <a:solidFill>
+                <a:schemeClr val="tx1"/>
+              </a:solidFill>
+              <a:latin typeface="+mn-lt"/>
+              <a:ea typeface="ＭＳ Ｐゴシック" pitchFamily="-106" charset="-128"/>
+              <a:cs typeface="ＭＳ Ｐゴシック" pitchFamily="-106" charset="-128"/>
+            </a:endParaRPr>
+          </a:p>
+          <a:p>
+            <a:pPr marL="0" indent="0">
               <a:buFont typeface="Arial" panose="020B0604020202020204" pitchFamily="34" charset="0"/>
-              <a:buChar char="•"/>
+              <a:buNone/>
             </a:pPr>
             <a:r>
-              <a:rPr lang="en-US" sz="1600" dirty="0"/>
-              <a:t>Jesus claims that life is found </a:t>
-            </a:r>
-            <a:r>
-              <a:rPr lang="en-US" sz="1600" i="1" dirty="0"/>
-              <a:t>in Him</a:t>
-            </a:r>
-            <a:r>
-              <a:rPr lang="en-US" sz="1600" dirty="0"/>
-              <a:t>.</a:t>
-            </a:r>
-          </a:p>
-          <a:p>
-            <a:pPr marL="645058" lvl="1" indent="-175925">
+              <a:rPr lang="en-US" sz="1600" b="1" i="0" u="none" strike="noStrike" kern="1200" baseline="0" dirty="0">
+                <a:solidFill>
+                  <a:schemeClr val="tx1"/>
+                </a:solidFill>
+                <a:latin typeface="+mn-lt"/>
+                <a:ea typeface="ＭＳ Ｐゴシック" pitchFamily="-106" charset="-128"/>
+              </a:rPr>
+              <a:t>Romans – who are the Just?</a:t>
+            </a:r>
+          </a:p>
+          <a:p>
+            <a:pPr marL="0" indent="0">
               <a:buFont typeface="Arial" panose="020B0604020202020204" pitchFamily="34" charset="0"/>
-              <a:buChar char="•"/>
+              <a:buNone/>
             </a:pPr>
-            <a:r>
-              <a:rPr lang="en-US" sz="1600" b="1" dirty="0">
-                <a:cs typeface="ＭＳ Ｐゴシック" pitchFamily="-106" charset="-128"/>
-              </a:rPr>
-              <a:t>“Just as the Father has life in himself, thus he has granted the Son to have life in himself.” (John 5:26)</a:t>
-            </a:r>
-          </a:p>
-          <a:p>
-            <a:pPr marL="175925" indent="-175925">
+            <a:endParaRPr lang="en-US" sz="1600" b="1" i="0" u="none" strike="noStrike" kern="1200" baseline="0" dirty="0">
+              <a:solidFill>
+                <a:schemeClr val="tx1"/>
+              </a:solidFill>
+              <a:latin typeface="+mn-lt"/>
+              <a:ea typeface="ＭＳ Ｐゴシック" pitchFamily="-106" charset="-128"/>
+            </a:endParaRPr>
+          </a:p>
+          <a:p>
+            <a:pPr marL="0" indent="0">
               <a:buFont typeface="Arial" panose="020B0604020202020204" pitchFamily="34" charset="0"/>
-              <a:buChar char="•"/>
+              <a:buNone/>
             </a:pPr>
             <a:r>
-              <a:rPr lang="en-US" sz="1600" dirty="0"/>
-              <a:t>This is shared life.</a:t>
-            </a:r>
-          </a:p>
-          <a:p>
-            <a:pPr marL="175925" indent="-175925">
+              <a:rPr lang="en-US" sz="1600" b="1" i="0" u="none" strike="noStrike" kern="1200" baseline="0" dirty="0">
+                <a:solidFill>
+                  <a:schemeClr val="tx1"/>
+                </a:solidFill>
+                <a:latin typeface="+mn-lt"/>
+                <a:ea typeface="ＭＳ Ｐゴシック" pitchFamily="-106" charset="-128"/>
+              </a:rPr>
+              <a:t>Galatians – how do the Just live?</a:t>
+            </a:r>
+          </a:p>
+          <a:p>
+            <a:pPr marL="0" indent="0">
               <a:buFont typeface="Arial" panose="020B0604020202020204" pitchFamily="34" charset="0"/>
-              <a:buChar char="•"/>
+              <a:buNone/>
             </a:pPr>
-            <a:r>
-              <a:rPr lang="en-US" sz="1600" dirty="0"/>
-              <a:t>Not borrowed life.</a:t>
-            </a:r>
-          </a:p>
-          <a:p>
+            <a:endParaRPr lang="en-US" sz="1600" b="1" i="0" u="none" strike="noStrike" kern="1200" baseline="0" dirty="0">
+              <a:solidFill>
+                <a:schemeClr val="tx1"/>
+              </a:solidFill>
+              <a:latin typeface="+mn-lt"/>
+              <a:ea typeface="ＭＳ Ｐゴシック" pitchFamily="-106" charset="-128"/>
+            </a:endParaRPr>
+          </a:p>
+          <a:p>
+            <a:pPr marL="0" indent="0">
+              <a:buFont typeface="Arial" panose="020B0604020202020204" pitchFamily="34" charset="0"/>
+              <a:buNone/>
+            </a:pPr>
+            <a:r>
+              <a:rPr lang="en-US" sz="1600" b="1" i="0" u="none" strike="noStrike" kern="1200" baseline="0" dirty="0">
+                <a:solidFill>
+                  <a:schemeClr val="tx1"/>
+                </a:solidFill>
+                <a:latin typeface="+mn-lt"/>
+                <a:ea typeface="ＭＳ Ｐゴシック" pitchFamily="-106" charset="-128"/>
+              </a:rPr>
+              <a:t>Hebrews – what is the Faith of the Just?</a:t>
+            </a:r>
             <a:endParaRPr lang="en-US" sz="1600" b="1" dirty="0"/>
-          </a:p>
-          <a:p>
-            <a:r>
-              <a:rPr lang="en-US" sz="1600" b="1" dirty="0"/>
-              <a:t>Life That Overcomes Death</a:t>
-            </a:r>
-            <a:endParaRPr lang="en-US" sz="1600" dirty="0"/>
-          </a:p>
-          <a:p>
-            <a:pPr marL="175925" indent="-175925">
-              <a:buFont typeface="Arial" panose="020B0604020202020204" pitchFamily="34" charset="0"/>
-              <a:buChar char="•"/>
-            </a:pPr>
-            <a:r>
-              <a:rPr lang="en-US" sz="1600" dirty="0"/>
-              <a:t>Jesus is not only alive.</a:t>
-            </a:r>
-          </a:p>
-          <a:p>
-            <a:pPr marL="175925" indent="-175925">
-              <a:buFont typeface="Arial" panose="020B0604020202020204" pitchFamily="34" charset="0"/>
-              <a:buChar char="•"/>
-            </a:pPr>
-            <a:r>
-              <a:rPr lang="en-US" sz="1600" dirty="0"/>
-              <a:t>He gives life.</a:t>
-            </a:r>
-          </a:p>
-          <a:p>
-            <a:pPr marL="645058" lvl="1" indent="-175925">
-              <a:buFont typeface="Arial" panose="020B0604020202020204" pitchFamily="34" charset="0"/>
-              <a:buChar char="•"/>
-            </a:pPr>
-            <a:r>
-              <a:rPr lang="en-US" sz="1600" b="1" dirty="0">
-                <a:cs typeface="ＭＳ Ｐゴシック" pitchFamily="-106" charset="-128"/>
-              </a:rPr>
-              <a:t>“I am the resurrection and the life.” (John 11:25)</a:t>
-            </a:r>
-          </a:p>
-          <a:p>
-            <a:pPr marL="175925" indent="-175925">
-              <a:buFont typeface="Arial" panose="020B0604020202020204" pitchFamily="34" charset="0"/>
-              <a:buChar char="•"/>
-            </a:pPr>
-            <a:r>
-              <a:rPr lang="en-US" sz="1600" dirty="0"/>
-              <a:t>This life starts now.</a:t>
-            </a:r>
-          </a:p>
-          <a:p>
-            <a:pPr marL="645058" lvl="1" indent="-175925">
-              <a:buFont typeface="Arial" panose="020B0604020202020204" pitchFamily="34" charset="0"/>
-              <a:buChar char="•"/>
-            </a:pPr>
-            <a:r>
-              <a:rPr lang="en-US" sz="1600" b="1" dirty="0">
-                <a:cs typeface="ＭＳ Ｐゴシック" pitchFamily="-106" charset="-128"/>
-              </a:rPr>
-              <a:t>“The one who has the Son has life.” (1 John 5:12)</a:t>
-            </a:r>
-          </a:p>
-          <a:p>
-            <a:pPr marL="175925" indent="-175925">
-              <a:buFont typeface="Arial" panose="020B0604020202020204" pitchFamily="34" charset="0"/>
-              <a:buChar char="•"/>
-            </a:pPr>
-            <a:r>
-              <a:rPr lang="en-US" sz="1600" dirty="0"/>
-              <a:t>Early Christian writers emphasized this.</a:t>
-            </a:r>
-          </a:p>
-          <a:p>
-            <a:pPr marL="645058" lvl="1" indent="-175925">
-              <a:buFont typeface="Arial" panose="020B0604020202020204" pitchFamily="34" charset="0"/>
-              <a:buChar char="•"/>
-            </a:pPr>
-            <a:r>
-              <a:rPr lang="en-US" sz="1600" dirty="0">
-                <a:cs typeface="ＭＳ Ｐゴシック" pitchFamily="-106" charset="-128"/>
-              </a:rPr>
-              <a:t>Salvation was participation.</a:t>
-            </a:r>
-          </a:p>
-          <a:p>
-            <a:pPr marL="645058" lvl="1" indent="-175925">
-              <a:buFont typeface="Arial" panose="020B0604020202020204" pitchFamily="34" charset="0"/>
-              <a:buChar char="•"/>
-            </a:pPr>
-            <a:r>
-              <a:rPr lang="en-US" sz="1600" dirty="0">
-                <a:cs typeface="ＭＳ Ｐゴシック" pitchFamily="-106" charset="-128"/>
-              </a:rPr>
-              <a:t>Not just forgiveness.</a:t>
-            </a:r>
-          </a:p>
-          <a:p>
-            <a:pPr marL="175925" indent="-175925">
-              <a:buFont typeface="Arial" panose="020B0604020202020204" pitchFamily="34" charset="0"/>
-              <a:buChar char="•"/>
-            </a:pPr>
-            <a:r>
-              <a:rPr lang="en-US" sz="1600" b="1" dirty="0"/>
-              <a:t>“Just as Christ was raised from the dead… so we too may live a new life.” (Romans 6:4)</a:t>
-            </a:r>
           </a:p>
           <a:p>
             <a:endParaRPr lang="en-US" dirty="0"/>
@@ -2332,7 +2032,7 @@
         <p:spPr/>
         <p:txBody>
           <a:bodyPr>
-            <a:normAutofit/>
+            <a:normAutofit fontScale="77500" lnSpcReduction="20000"/>
           </a:bodyPr>
           <a:lstStyle/>
           <a:p>
@@ -2347,231 +2047,7 @@
               <a:buFont typeface="Arial" panose="020B0604020202020204" pitchFamily="34" charset="0"/>
               <a:buChar char="•"/>
             </a:pPr>
-            <a:r>
-              <a:rPr lang="en-US" sz="1600" dirty="0"/>
-              <a:t>The way leads to truth.</a:t>
-            </a:r>
-          </a:p>
-          <a:p>
-            <a:pPr marL="175925" indent="-175925">
-              <a:buFont typeface="Arial" panose="020B0604020202020204" pitchFamily="34" charset="0"/>
-              <a:buChar char="•"/>
-            </a:pPr>
-            <a:r>
-              <a:rPr lang="en-US" sz="1600" dirty="0"/>
-              <a:t>Truth results in life.</a:t>
-            </a:r>
-          </a:p>
-          <a:p>
-            <a:pPr marL="175925" indent="-175925">
-              <a:buFont typeface="Arial" panose="020B0604020202020204" pitchFamily="34" charset="0"/>
-              <a:buChar char="•"/>
-            </a:pPr>
-            <a:r>
-              <a:rPr lang="en-US" sz="1600" dirty="0"/>
-              <a:t>Remove one and the others collapse.</a:t>
-            </a:r>
-          </a:p>
-          <a:p>
-            <a:pPr marL="645058" lvl="1" indent="-175925" fontAlgn="ctr">
-              <a:buFont typeface="Arial" panose="020B0604020202020204" pitchFamily="34" charset="0"/>
-              <a:buChar char="•"/>
-            </a:pPr>
-            <a:r>
-              <a:rPr lang="en-US" sz="1600" dirty="0">
-                <a:cs typeface="ＭＳ Ｐゴシック" pitchFamily="-106" charset="-128"/>
-              </a:rPr>
-              <a:t>A way without truth becomes confusion.</a:t>
-            </a:r>
-          </a:p>
-          <a:p>
-            <a:pPr marL="645058" lvl="1" indent="-175925" fontAlgn="ctr">
-              <a:buFont typeface="Arial" panose="020B0604020202020204" pitchFamily="34" charset="0"/>
-              <a:buChar char="•"/>
-            </a:pPr>
-            <a:r>
-              <a:rPr lang="en-US" sz="1600" dirty="0">
-                <a:cs typeface="ＭＳ Ｐゴシック" pitchFamily="-106" charset="-128"/>
-              </a:rPr>
-              <a:t>Truth without life becomes dead doctrine.</a:t>
-            </a:r>
-          </a:p>
-          <a:p>
-            <a:pPr marL="645058" lvl="1" indent="-175925" fontAlgn="ctr">
-              <a:buFont typeface="Arial" panose="020B0604020202020204" pitchFamily="34" charset="0"/>
-              <a:buChar char="•"/>
-            </a:pPr>
-            <a:r>
-              <a:rPr lang="en-US" sz="1600" dirty="0">
-                <a:cs typeface="ＭＳ Ｐゴシック" pitchFamily="-106" charset="-128"/>
-              </a:rPr>
-              <a:t>Life without the way becomes self-made spirituality.</a:t>
-            </a:r>
-          </a:p>
-          <a:p>
-            <a:pPr marL="175925" indent="-175925">
-              <a:buFont typeface="Arial" panose="020B0604020202020204" pitchFamily="34" charset="0"/>
-              <a:buChar char="•"/>
-            </a:pPr>
-            <a:r>
-              <a:rPr lang="en-US" sz="1600" dirty="0"/>
-              <a:t>Jesus is all three.</a:t>
-            </a:r>
-          </a:p>
-          <a:p>
-            <a:pPr marL="175925" indent="-175925">
-              <a:buFont typeface="Arial" panose="020B0604020202020204" pitchFamily="34" charset="0"/>
-              <a:buChar char="•"/>
-            </a:pPr>
-            <a:r>
-              <a:rPr lang="en-US" sz="1600" dirty="0"/>
-              <a:t>At the same time.</a:t>
-            </a:r>
-          </a:p>
-          <a:p>
-            <a:pPr marL="175925" indent="-175925">
-              <a:buFont typeface="Arial" panose="020B0604020202020204" pitchFamily="34" charset="0"/>
-              <a:buChar char="•"/>
-            </a:pPr>
-            <a:r>
-              <a:rPr lang="en-US" sz="1600" dirty="0"/>
-              <a:t>In one person.</a:t>
-            </a:r>
-          </a:p>
-          <a:p>
-            <a:r>
-              <a:rPr lang="en-US" sz="1600" dirty="0"/>
-              <a:t> </a:t>
-            </a:r>
-          </a:p>
-          <a:p>
-            <a:r>
-              <a:rPr lang="en-US" sz="1600" b="1" dirty="0"/>
-              <a:t>New Covenant Fulfillment in Christ</a:t>
-            </a:r>
             <a:endParaRPr lang="en-US" sz="1600" dirty="0"/>
-          </a:p>
-          <a:p>
-            <a:pPr marL="293208" indent="-293208">
-              <a:buFont typeface="Arial" panose="020B0604020202020204" pitchFamily="34" charset="0"/>
-              <a:buChar char="•"/>
-            </a:pPr>
-            <a:r>
-              <a:rPr lang="en-US" sz="1600" dirty="0"/>
-              <a:t>Jesus fulfills Jeremiah 31 fully.</a:t>
-            </a:r>
-          </a:p>
-          <a:p>
-            <a:pPr marL="762341" lvl="1" indent="-293208" fontAlgn="ctr">
-              <a:buFont typeface="Arial" panose="020B0604020202020204" pitchFamily="34" charset="0"/>
-              <a:buChar char="•"/>
-            </a:pPr>
-            <a:r>
-              <a:rPr lang="en-US" sz="1600" dirty="0">
-                <a:cs typeface="ＭＳ Ｐゴシック" pitchFamily="-106" charset="-128"/>
-              </a:rPr>
-              <a:t>The </a:t>
-            </a:r>
-            <a:r>
-              <a:rPr lang="en-US" sz="1600" b="1" dirty="0">
-                <a:cs typeface="ＭＳ Ｐゴシック" pitchFamily="-106" charset="-128"/>
-              </a:rPr>
-              <a:t>Way</a:t>
-            </a:r>
-            <a:r>
-              <a:rPr lang="en-US" sz="1600" dirty="0">
-                <a:cs typeface="ＭＳ Ｐゴシック" pitchFamily="-106" charset="-128"/>
-              </a:rPr>
-              <a:t>: access to God.</a:t>
-            </a:r>
-          </a:p>
-          <a:p>
-            <a:pPr marL="762341" lvl="1" indent="-293208" fontAlgn="ctr">
-              <a:buFont typeface="Arial" panose="020B0604020202020204" pitchFamily="34" charset="0"/>
-              <a:buChar char="•"/>
-            </a:pPr>
-            <a:r>
-              <a:rPr lang="en-US" sz="1600" dirty="0">
-                <a:cs typeface="ＭＳ Ｐゴシック" pitchFamily="-106" charset="-128"/>
-              </a:rPr>
-              <a:t>The </a:t>
-            </a:r>
-            <a:r>
-              <a:rPr lang="en-US" sz="1600" b="1" dirty="0">
-                <a:cs typeface="ＭＳ Ｐゴシック" pitchFamily="-106" charset="-128"/>
-              </a:rPr>
-              <a:t>Truth</a:t>
-            </a:r>
-            <a:r>
-              <a:rPr lang="en-US" sz="1600" dirty="0">
-                <a:cs typeface="ＭＳ Ｐゴシック" pitchFamily="-106" charset="-128"/>
-              </a:rPr>
-              <a:t>: God revealed.</a:t>
-            </a:r>
-          </a:p>
-          <a:p>
-            <a:pPr marL="762341" lvl="1" indent="-293208" fontAlgn="ctr">
-              <a:buFont typeface="Arial" panose="020B0604020202020204" pitchFamily="34" charset="0"/>
-              <a:buChar char="•"/>
-            </a:pPr>
-            <a:r>
-              <a:rPr lang="en-US" sz="1600" dirty="0">
-                <a:cs typeface="ＭＳ Ｐゴシック" pitchFamily="-106" charset="-128"/>
-              </a:rPr>
-              <a:t>The </a:t>
-            </a:r>
-            <a:r>
-              <a:rPr lang="en-US" sz="1600" b="1" dirty="0">
-                <a:cs typeface="ＭＳ Ｐゴシック" pitchFamily="-106" charset="-128"/>
-              </a:rPr>
-              <a:t>Life</a:t>
-            </a:r>
-            <a:r>
-              <a:rPr lang="en-US" sz="1600" dirty="0">
-                <a:cs typeface="ＭＳ Ｐゴシック" pitchFamily="-106" charset="-128"/>
-              </a:rPr>
-              <a:t>: God shared.</a:t>
-            </a:r>
-          </a:p>
-          <a:p>
-            <a:pPr marL="293208" indent="-293208">
-              <a:buFont typeface="Arial" panose="020B0604020202020204" pitchFamily="34" charset="0"/>
-              <a:buChar char="•"/>
-            </a:pPr>
-            <a:r>
-              <a:rPr lang="en-US" sz="1600" b="1" dirty="0"/>
-              <a:t>“This is eternal life: that they know you, the only true God, and Jesus Christ, whom you sent.” (John 17:3)</a:t>
-            </a:r>
-          </a:p>
-          <a:p>
-            <a:pPr marL="293208" indent="-293208">
-              <a:buFont typeface="Arial" panose="020B0604020202020204" pitchFamily="34" charset="0"/>
-              <a:buChar char="•"/>
-            </a:pPr>
-            <a:r>
-              <a:rPr lang="en-US" sz="1600" dirty="0"/>
-              <a:t>This is relational knowledge.</a:t>
-            </a:r>
-          </a:p>
-          <a:p>
-            <a:pPr marL="293208" indent="-293208">
-              <a:buFont typeface="Arial" panose="020B0604020202020204" pitchFamily="34" charset="0"/>
-              <a:buChar char="•"/>
-            </a:pPr>
-            <a:r>
-              <a:rPr lang="en-US" sz="1600" dirty="0"/>
-              <a:t>Covenant knowledge.</a:t>
-            </a:r>
-          </a:p>
-          <a:p>
-            <a:pPr marL="293208" indent="-293208">
-              <a:buFont typeface="Arial" panose="020B0604020202020204" pitchFamily="34" charset="0"/>
-              <a:buChar char="•"/>
-            </a:pPr>
-            <a:r>
-              <a:rPr lang="en-US" sz="1600" dirty="0"/>
-              <a:t>Shared life.</a:t>
-            </a:r>
           </a:p>
           <a:p>
             <a:endParaRPr lang="en-US" dirty="0"/>
@@ -2693,7 +2169,7 @@
         <p:spPr/>
         <p:txBody>
           <a:bodyPr>
-            <a:normAutofit/>
+            <a:normAutofit fontScale="62500" lnSpcReduction="20000"/>
           </a:bodyPr>
           <a:lstStyle/>
           <a:p>
@@ -2701,196 +2177,6 @@
               <a:rPr lang="en-US" sz="1600" b="1" dirty="0"/>
               <a:t>Application for the Church</a:t>
             </a:r>
-            <a:endParaRPr lang="en-US" sz="1600" dirty="0"/>
-          </a:p>
-          <a:p>
-            <a:pPr marL="293208" indent="-293208" fontAlgn="ctr">
-              <a:buFont typeface="Arial" panose="020B0604020202020204" pitchFamily="34" charset="0"/>
-              <a:buChar char="•"/>
-            </a:pPr>
-            <a:r>
-              <a:rPr lang="en-US" sz="1600" dirty="0"/>
-              <a:t>Christianity is not a path we master.</a:t>
-            </a:r>
-          </a:p>
-          <a:p>
-            <a:pPr marL="762341" lvl="1" indent="-293208" fontAlgn="ctr">
-              <a:buFont typeface="Arial" panose="020B0604020202020204" pitchFamily="34" charset="0"/>
-              <a:buChar char="•"/>
-            </a:pPr>
-            <a:r>
-              <a:rPr lang="en-US" sz="1600" dirty="0">
-                <a:cs typeface="ＭＳ Ｐゴシック" pitchFamily="-106" charset="-128"/>
-              </a:rPr>
-              <a:t>It is a person we follow.</a:t>
-            </a:r>
-          </a:p>
-          <a:p>
-            <a:pPr marL="293208" indent="-293208" fontAlgn="ctr">
-              <a:buFont typeface="Arial" panose="020B0604020202020204" pitchFamily="34" charset="0"/>
-              <a:buChar char="•"/>
-            </a:pPr>
-            <a:r>
-              <a:rPr lang="en-US" sz="1600" dirty="0"/>
-              <a:t>Truth is not winning arguments.</a:t>
-            </a:r>
-          </a:p>
-          <a:p>
-            <a:pPr marL="762341" lvl="1" indent="-293208" fontAlgn="ctr">
-              <a:buFont typeface="Arial" panose="020B0604020202020204" pitchFamily="34" charset="0"/>
-              <a:buChar char="•"/>
-            </a:pPr>
-            <a:r>
-              <a:rPr lang="en-US" sz="1600" dirty="0">
-                <a:cs typeface="ＭＳ Ｐゴシック" pitchFamily="-106" charset="-128"/>
-              </a:rPr>
-              <a:t>It is staying loyal to Jesus.</a:t>
-            </a:r>
-          </a:p>
-          <a:p>
-            <a:pPr marL="293208" indent="-293208" fontAlgn="ctr">
-              <a:buFont typeface="Arial" panose="020B0604020202020204" pitchFamily="34" charset="0"/>
-              <a:buChar char="•"/>
-            </a:pPr>
-            <a:r>
-              <a:rPr lang="en-US" sz="1600" dirty="0"/>
-              <a:t>Life is not future only.</a:t>
-            </a:r>
-          </a:p>
-          <a:p>
-            <a:pPr marL="762341" lvl="1" indent="-293208" fontAlgn="ctr">
-              <a:buFont typeface="Arial" panose="020B0604020202020204" pitchFamily="34" charset="0"/>
-              <a:buChar char="•"/>
-            </a:pPr>
-            <a:r>
-              <a:rPr lang="en-US" sz="1600" dirty="0">
-                <a:cs typeface="ＭＳ Ｐゴシック" pitchFamily="-106" charset="-128"/>
-              </a:rPr>
-              <a:t>It begins now.</a:t>
-            </a:r>
-          </a:p>
-          <a:p>
-            <a:pPr marL="293208" indent="-293208">
-              <a:buFont typeface="Arial" panose="020B0604020202020204" pitchFamily="34" charset="0"/>
-              <a:buChar char="•"/>
-            </a:pPr>
-            <a:r>
-              <a:rPr lang="en-US" sz="1600" b="1" dirty="0"/>
-              <a:t>“I have come so that they may have life and may have it abundantly.” (John 10:10)</a:t>
-            </a:r>
-          </a:p>
-          <a:p>
-            <a:r>
-              <a:rPr lang="en-US" sz="1600" dirty="0"/>
-              <a:t> </a:t>
-            </a:r>
-          </a:p>
-          <a:p>
-            <a:r>
-              <a:rPr lang="en-US" sz="1600" b="1" dirty="0"/>
-              <a:t>Closing Call</a:t>
-            </a:r>
-            <a:endParaRPr lang="en-US" sz="1600" dirty="0"/>
-          </a:p>
-          <a:p>
-            <a:pPr marL="293208" indent="-293208">
-              <a:buFont typeface="Arial" panose="020B0604020202020204" pitchFamily="34" charset="0"/>
-              <a:buChar char="•"/>
-            </a:pPr>
-            <a:r>
-              <a:rPr lang="en-US" sz="1600" dirty="0"/>
-              <a:t>Jesus does not invite us to study Him only.</a:t>
-            </a:r>
-          </a:p>
-          <a:p>
-            <a:pPr marL="762341" lvl="1" indent="-293208">
-              <a:buFont typeface="Arial" panose="020B0604020202020204" pitchFamily="34" charset="0"/>
-              <a:buChar char="•"/>
-            </a:pPr>
-            <a:r>
-              <a:rPr lang="en-US" sz="1600" dirty="0">
-                <a:cs typeface="ＭＳ Ｐゴシック" pitchFamily="-106" charset="-128"/>
-              </a:rPr>
-              <a:t>He invites us to come to Him.</a:t>
-            </a:r>
-          </a:p>
-          <a:p>
-            <a:pPr marL="762341" lvl="1" indent="-293208">
-              <a:buFont typeface="Arial" panose="020B0604020202020204" pitchFamily="34" charset="0"/>
-              <a:buChar char="•"/>
-            </a:pPr>
-            <a:r>
-              <a:rPr lang="en-US" sz="1600" b="1" dirty="0">
-                <a:cs typeface="ＭＳ Ｐゴシック" pitchFamily="-106" charset="-128"/>
-              </a:rPr>
-              <a:t>“Come to me, all you who are weary and burdened, and I will give you rest.” (Matthew 11:28)</a:t>
-            </a:r>
-          </a:p>
-          <a:p>
-            <a:pPr marL="293208" indent="-293208">
-              <a:buFont typeface="Arial" panose="020B0604020202020204" pitchFamily="34" charset="0"/>
-              <a:buChar char="•"/>
-            </a:pPr>
-            <a:r>
-              <a:rPr lang="en-US" sz="1600" dirty="0"/>
-              <a:t>He is the </a:t>
-            </a:r>
-            <a:r>
-              <a:rPr lang="en-US" sz="1600" b="1" dirty="0"/>
-              <a:t>Way</a:t>
-            </a:r>
-            <a:r>
-              <a:rPr lang="en-US" sz="1600" dirty="0"/>
-              <a:t>.</a:t>
-            </a:r>
-          </a:p>
-          <a:p>
-            <a:pPr marL="293208" indent="-293208">
-              <a:buFont typeface="Arial" panose="020B0604020202020204" pitchFamily="34" charset="0"/>
-              <a:buChar char="•"/>
-            </a:pPr>
-            <a:r>
-              <a:rPr lang="en-US" sz="1600" dirty="0"/>
-              <a:t>He is the </a:t>
-            </a:r>
-            <a:r>
-              <a:rPr lang="en-US" sz="1600" b="1" dirty="0"/>
-              <a:t>Truth</a:t>
-            </a:r>
-            <a:r>
-              <a:rPr lang="en-US" sz="1600" dirty="0"/>
-              <a:t>.</a:t>
-            </a:r>
-          </a:p>
-          <a:p>
-            <a:pPr marL="293208" indent="-293208">
-              <a:buFont typeface="Arial" panose="020B0604020202020204" pitchFamily="34" charset="0"/>
-              <a:buChar char="•"/>
-            </a:pPr>
-            <a:r>
-              <a:rPr lang="en-US" sz="1600" dirty="0"/>
-              <a:t>He is the </a:t>
-            </a:r>
-            <a:r>
-              <a:rPr lang="en-US" sz="1600" b="1" dirty="0"/>
-              <a:t>Life</a:t>
-            </a:r>
-            <a:r>
-              <a:rPr lang="en-US" sz="1600" dirty="0"/>
-              <a:t>.</a:t>
-            </a:r>
-          </a:p>
-          <a:p>
-            <a:pPr marL="293208" indent="-293208">
-              <a:buFont typeface="Arial" panose="020B0604020202020204" pitchFamily="34" charset="0"/>
-              <a:buChar char="•"/>
-            </a:pPr>
-            <a:r>
-              <a:rPr lang="en-US" sz="1600" b="1" dirty="0"/>
-              <a:t>And through Him, we know God.</a:t>
-            </a:r>
-          </a:p>
-          <a:p>
             <a:endParaRPr lang="en-US" sz="1600" dirty="0"/>
           </a:p>
           <a:p>
@@ -2908,22 +2194,16 @@
               <a:buChar char="•"/>
             </a:pPr>
             <a:r>
+              <a:rPr lang="en-US" sz="1600" b="1" dirty="0"/>
+              <a:t>“For as many as are the promises of God, in Him they are yes; therefore also through Him is our Amen to the glory of God through us.” </a:t>
+            </a:r>
+            <a:r>
               <a:rPr lang="en-US" sz="1600" dirty="0"/>
-              <a:t>“For as many as are the promises of God, in Him they are yes; therefore also through Him is our Amen to the glory of God through us.”</a:t>
-            </a:r>
-          </a:p>
-          <a:p>
-            <a:pPr marL="175925" indent="-175925">
-              <a:buFont typeface="Arial" panose="020B0604020202020204" pitchFamily="34" charset="0"/>
-              <a:buChar char="•"/>
-            </a:pPr>
-            <a:r>
-              <a:rPr lang="en-US" sz="1600" dirty="0"/>
-              <a:t>— </a:t>
+              <a:t> (</a:t>
             </a:r>
             <a:r>
               <a:rPr lang="en-US" sz="1600" b="1" dirty="0"/>
-              <a:t>2 Corinthians 1:20</a:t>
+              <a:t>2 Corinthians 1:20)</a:t>
             </a:r>
             <a:endParaRPr lang="en-US" sz="1600" dirty="0"/>
           </a:p>
@@ -7342,7 +6622,29 @@
                   </a:schemeClr>
                 </a:solidFill>
               </a:rPr>
-              <a:t>The Way to God, Not a Method, Process, nor Demonstration</a:t>
+              <a:t>The </a:t>
+            </a:r>
+            <a:r>
+              <a:rPr lang="en-US" sz="2800" u="sng" dirty="0">
+                <a:solidFill>
+                  <a:schemeClr val="tx2">
+                    <a:lumMod val="60000"/>
+                    <a:lumOff val="40000"/>
+                  </a:schemeClr>
+                </a:solidFill>
+              </a:rPr>
+              <a:t>Way to God</a:t>
+            </a:r>
+            <a:r>
+              <a:rPr lang="en-US" sz="2800" dirty="0">
+                <a:solidFill>
+                  <a:schemeClr val="tx2">
+                    <a:lumMod val="60000"/>
+                    <a:lumOff val="40000"/>
+                  </a:schemeClr>
+                </a:solidFill>
+              </a:rPr>
+              <a:t>, not a Method, nor Process, nor Philosophy</a:t>
             </a:r>
           </a:p>
         </p:txBody>
@@ -7362,7 +6664,7 @@
         <p:spPr>
           <a:xfrm>
             <a:off x="225195" y="788221"/>
-            <a:ext cx="8677275" cy="1446550"/>
+            <a:ext cx="8677275" cy="2123658"/>
           </a:xfrm>
           <a:prstGeom prst="rect">
             <a:avLst/>
@@ -7444,28 +6746,7 @@
                 <a:ea typeface="ＭＳ Ｐゴシック" pitchFamily="-106" charset="-128"/>
                 <a:cs typeface="ＭＳ Ｐゴシック" pitchFamily="-106" charset="-128"/>
               </a:rPr>
-              <a:t>“Teach me your way, O LORD.” </a:t>
-            </a:r>
-            <a:r>
-              <a:rPr lang="en-US" sz="2200" dirty="0">
-                <a:ea typeface="ＭＳ Ｐゴシック" pitchFamily="-106" charset="-128"/>
-                <a:cs typeface="ＭＳ Ｐゴシック" pitchFamily="-106" charset="-128"/>
-              </a:rPr>
-              <a:t>(</a:t>
-            </a:r>
-            <a:r>
-              <a:rPr lang="en-US" sz="2200" b="1" dirty="0">
-                <a:ea typeface="ＭＳ Ｐゴシック" pitchFamily="-106" charset="-128"/>
-                <a:cs typeface="ＭＳ Ｐゴシック" pitchFamily="-106" charset="-128"/>
-              </a:rPr>
-              <a:t>Psalm 27:11</a:t>
-            </a:r>
-            <a:r>
-              <a:rPr lang="en-US" sz="2200" dirty="0">
-                <a:ea typeface="ＭＳ Ｐゴシック" pitchFamily="-106" charset="-128"/>
-                <a:cs typeface="ＭＳ Ｐゴシック" pitchFamily="-106" charset="-128"/>
-              </a:rPr>
-              <a:t>)</a:t>
+              <a:t>“A highway shall be there, and a road, And it shall be called the Highway of Holiness. The unclean shall not pass over it…” (Isaiah 35:8)</a:t>
             </a:r>
           </a:p>
         </p:txBody>
@@ -7484,7 +6765,7 @@
         </p:nvSpPr>
         <p:spPr>
           <a:xfrm>
-            <a:off x="192537" y="2559531"/>
+            <a:off x="213469" y="2911273"/>
             <a:ext cx="8677275" cy="2462213"/>
           </a:xfrm>
           <a:prstGeom prst="rect">
@@ -7503,7 +6784,7 @@
                 <a:ea typeface="ＭＳ Ｐゴシック" pitchFamily="-106" charset="-128"/>
                 <a:cs typeface="ＭＳ Ｐゴシック" pitchFamily="-106" charset="-128"/>
               </a:rPr>
-              <a:t>Under the old covenant, access was limited.</a:t>
+              <a:t>Under the old covenant, access to God was limited.</a:t>
             </a:r>
           </a:p>
           <a:p>
@@ -7586,8 +6867,8 @@
         </p:nvSpPr>
         <p:spPr>
           <a:xfrm>
-            <a:off x="225194" y="5346504"/>
-            <a:ext cx="8677275" cy="1107996"/>
+            <a:off x="210538" y="5372881"/>
+            <a:ext cx="8677275" cy="1446550"/>
           </a:xfrm>
           <a:prstGeom prst="rect">
             <a:avLst/>
@@ -7629,31 +6910,30 @@
                 <a:ea typeface="ＭＳ Ｐゴシック" pitchFamily="-106" charset="-128"/>
                 <a:cs typeface="ＭＳ Ｐゴシック" pitchFamily="-106" charset="-128"/>
               </a:rPr>
-              <a:t>Not steps.  Not laws.</a:t>
+              <a:t>Not steps.  Not laws.  A </a:t>
+            </a:r>
+            <a:r>
+              <a:rPr lang="en-US" sz="2200" u="sng" dirty="0">
+                <a:ea typeface="ＭＳ Ｐゴシック" pitchFamily="-106" charset="-128"/>
+                <a:cs typeface="ＭＳ Ｐゴシック" pitchFamily="-106" charset="-128"/>
+              </a:rPr>
+              <a:t>person</a:t>
+            </a:r>
+            <a:r>
+              <a:rPr lang="en-US" sz="2200" dirty="0">
+                <a:ea typeface="ＭＳ Ｐゴシック" pitchFamily="-106" charset="-128"/>
+                <a:cs typeface="ＭＳ Ｐゴシック" pitchFamily="-106" charset="-128"/>
+              </a:rPr>
+              <a:t>.</a:t>
             </a:r>
           </a:p>
           <a:p>
             <a:pPr lvl="1"/>
             <a:r>
-              <a:rPr lang="en-US" sz="2200" dirty="0">
-                <a:ea typeface="ＭＳ Ｐゴシック" pitchFamily="-106" charset="-128"/>
-                <a:cs typeface="ＭＳ Ｐゴシック" pitchFamily="-106" charset="-128"/>
-              </a:rPr>
-              <a:t>A </a:t>
-            </a:r>
-            <a:r>
-              <a:rPr lang="en-US" sz="2200" u="sng" dirty="0">
-                <a:ea typeface="ＭＳ Ｐゴシック" pitchFamily="-106" charset="-128"/>
-                <a:cs typeface="ＭＳ Ｐゴシック" pitchFamily="-106" charset="-128"/>
-              </a:rPr>
-              <a:t>person</a:t>
-            </a:r>
-            <a:r>
-              <a:rPr lang="en-US" sz="2200" dirty="0">
-                <a:ea typeface="ＭＳ Ｐゴシック" pitchFamily="-106" charset="-128"/>
-                <a:cs typeface="ＭＳ Ｐゴシック" pitchFamily="-106" charset="-128"/>
-              </a:rPr>
-              <a:t>.  The Way of Relationship.</a:t>
+              <a:rPr lang="en-US" sz="2200" b="1" dirty="0">
+                <a:cs typeface="ＭＳ Ｐゴシック" pitchFamily="-106" charset="-128"/>
+              </a:rPr>
+              <a:t>“The one who says he resides in God ought himself to walk just as Jesus walked.” (1 John 2:6)</a:t>
             </a:r>
           </a:p>
         </p:txBody>
@@ -8229,7 +7509,7 @@
                   </a:schemeClr>
                 </a:solidFill>
               </a:rPr>
-              <a:t>Truth as Revelation; that Sets Mankind Free</a:t>
+              <a:t>Truth as Revelation; Truth that Sets Mankind Free</a:t>
             </a:r>
           </a:p>
         </p:txBody>
@@ -8383,7 +7663,7 @@
         <p:spPr>
           <a:xfrm>
             <a:off x="225194" y="3429000"/>
-            <a:ext cx="8677275" cy="3170099"/>
+            <a:ext cx="8677275" cy="2862322"/>
           </a:xfrm>
           <a:prstGeom prst="rect">
             <a:avLst/>
@@ -8418,7 +7698,7 @@
                 <a:ea typeface="ＭＳ Ｐゴシック" pitchFamily="-106" charset="-128"/>
                 <a:cs typeface="ＭＳ Ｐゴシック" pitchFamily="-106" charset="-128"/>
               </a:rPr>
-              <a:t>Jesus connects truth with freedom.</a:t>
+              <a:t>Jesus connects truth with freedom.  Covenant freedom.</a:t>
             </a:r>
           </a:p>
           <a:p>
@@ -8439,19 +7719,6 @@
                 <a:cs typeface="ＭＳ Ｐゴシック" pitchFamily="-106" charset="-128"/>
               </a:rPr>
               <a:t>(8:32)</a:t>
-            </a:r>
-          </a:p>
-          <a:p>
-            <a:pPr marL="742950" lvl="1" indent="-285750">
-              <a:buFont typeface="Arial" panose="020B0604020202020204" pitchFamily="34" charset="0"/>
-              <a:buChar char="•"/>
-            </a:pPr>
-            <a:r>
-              <a:rPr lang="en-US" sz="2000" dirty="0">
-                <a:ea typeface="ＭＳ Ｐゴシック" pitchFamily="-106" charset="-128"/>
-                <a:cs typeface="ＭＳ Ｐゴシック" pitchFamily="-106" charset="-128"/>
-              </a:rPr>
-              <a:t>This is covenant freedom.</a:t>
             </a:r>
           </a:p>
           <a:p>
@@ -9134,7 +8401,7 @@
                 <a:ea typeface="ＭＳ Ｐゴシック" pitchFamily="-106" charset="-128"/>
                 <a:cs typeface="ＭＳ Ｐゴシック" pitchFamily="-106" charset="-128"/>
               </a:rPr>
-              <a:t>This is shared life.  </a:t>
+              <a:t>This is shared life… as those “born of the Spirit”.</a:t>
             </a:r>
           </a:p>
         </p:txBody>
@@ -9254,7 +8521,7 @@
                 <a:ea typeface="ＭＳ Ｐゴシック" pitchFamily="-106" charset="-128"/>
                 <a:cs typeface="ＭＳ Ｐゴシック" pitchFamily="-106" charset="-128"/>
               </a:rPr>
-              <a:t>Salvation was participation.  Not just forgiveness.</a:t>
+              <a:t>Salvation was a covenant relationship.  Not just forgiveness.</a:t>
             </a:r>
           </a:p>
           <a:p>
@@ -10789,7 +10056,7 @@
                 <a:ea typeface="ＭＳ Ｐゴシック" pitchFamily="-106" charset="-128"/>
                 <a:cs typeface="ＭＳ Ｐゴシック" pitchFamily="-106" charset="-128"/>
               </a:rPr>
-              <a:t>Life is not future only.</a:t>
+              <a:t>Life is not without purpose.</a:t>
             </a:r>
           </a:p>
           <a:p>
@@ -10802,7 +10069,49 @@
                 <a:ea typeface="ＭＳ Ｐゴシック" pitchFamily="-106" charset="-128"/>
                 <a:cs typeface="ＭＳ Ｐゴシック" pitchFamily="-106" charset="-128"/>
               </a:rPr>
-              <a:t>It begins now.</a:t>
+              <a:t>The </a:t>
+            </a:r>
+            <a:r>
+              <a:rPr lang="en-US" sz="2200" b="1" dirty="0">
+                <a:ea typeface="ＭＳ Ｐゴシック" pitchFamily="-106" charset="-128"/>
+                <a:cs typeface="ＭＳ Ｐゴシック" pitchFamily="-106" charset="-128"/>
+              </a:rPr>
+              <a:t>Just</a:t>
+            </a:r>
+            <a:r>
+              <a:rPr lang="en-US" sz="2200" dirty="0">
+                <a:ea typeface="ＭＳ Ｐゴシック" pitchFamily="-106" charset="-128"/>
+                <a:cs typeface="ＭＳ Ｐゴシック" pitchFamily="-106" charset="-128"/>
+              </a:rPr>
+              <a:t> shall </a:t>
+            </a:r>
+            <a:r>
+              <a:rPr lang="en-US" sz="2200" b="1" dirty="0">
+                <a:ea typeface="ＭＳ Ｐゴシック" pitchFamily="-106" charset="-128"/>
+                <a:cs typeface="ＭＳ Ｐゴシック" pitchFamily="-106" charset="-128"/>
+              </a:rPr>
+              <a:t>Live</a:t>
+            </a:r>
+            <a:r>
+              <a:rPr lang="en-US" sz="2200" dirty="0">
+                <a:ea typeface="ＭＳ Ｐゴシック" pitchFamily="-106" charset="-128"/>
+                <a:cs typeface="ＭＳ Ｐゴシック" pitchFamily="-106" charset="-128"/>
+              </a:rPr>
+              <a:t> by </a:t>
+            </a:r>
+            <a:r>
+              <a:rPr lang="en-US" sz="2200" b="1" dirty="0">
+                <a:ea typeface="ＭＳ Ｐゴシック" pitchFamily="-106" charset="-128"/>
+                <a:cs typeface="ＭＳ Ｐゴシック" pitchFamily="-106" charset="-128"/>
+              </a:rPr>
+              <a:t>Faith</a:t>
+            </a:r>
+            <a:r>
+              <a:rPr lang="en-US" sz="2200" dirty="0">
+                <a:ea typeface="ＭＳ Ｐゴシック" pitchFamily="-106" charset="-128"/>
+                <a:cs typeface="ＭＳ Ｐゴシック" pitchFamily="-106" charset="-128"/>
+              </a:rPr>
+              <a:t>.</a:t>
             </a:r>
           </a:p>
           <a:p>
